--- a/08192022_Presentation.pptx
+++ b/08192022_Presentation.pptx
@@ -7,7 +7,9 @@
   <p:sldIdLst>
     <p:sldId id="256" r:id="rId2"/>
     <p:sldId id="258" r:id="rId3"/>
-    <p:sldId id="259" r:id="rId4"/>
+    <p:sldId id="261" r:id="rId4"/>
+    <p:sldId id="260" r:id="rId5"/>
+    <p:sldId id="259" r:id="rId6"/>
   </p:sldIdLst>
   <p:sldSz cx="12192000" cy="6858000"/>
   <p:notesSz cx="6858000" cy="9144000"/>
@@ -106,6 +108,11 @@
       </a:defRPr>
     </a:lvl9pPr>
   </p:defaultTextStyle>
+  <p:extLst>
+    <p:ext uri="{EFAFB233-063F-42B5-8137-9DF3F51BA10A}">
+      <p15:sldGuideLst xmlns:p15="http://schemas.microsoft.com/office/powerpoint/2012/main"/>
+    </p:ext>
+  </p:extLst>
 </p:presentation>
 </file>
 
@@ -256,7 +263,7 @@
           <a:p>
             <a:fld id="{B7D555DA-B0AA-FF4A-8DB7-56EDA8C2FDB8}" type="datetimeFigureOut">
               <a:rPr lang="en-US" smtClean="0"/>
-              <a:t>8/15/22</a:t>
+              <a:t>8/16/22</a:t>
             </a:fld>
             <a:endParaRPr lang="en-US"/>
           </a:p>
@@ -454,7 +461,7 @@
           <a:p>
             <a:fld id="{B7D555DA-B0AA-FF4A-8DB7-56EDA8C2FDB8}" type="datetimeFigureOut">
               <a:rPr lang="en-US" smtClean="0"/>
-              <a:t>8/15/22</a:t>
+              <a:t>8/16/22</a:t>
             </a:fld>
             <a:endParaRPr lang="en-US"/>
           </a:p>
@@ -662,7 +669,7 @@
           <a:p>
             <a:fld id="{B7D555DA-B0AA-FF4A-8DB7-56EDA8C2FDB8}" type="datetimeFigureOut">
               <a:rPr lang="en-US" smtClean="0"/>
-              <a:t>8/15/22</a:t>
+              <a:t>8/16/22</a:t>
             </a:fld>
             <a:endParaRPr lang="en-US"/>
           </a:p>
@@ -860,7 +867,7 @@
           <a:p>
             <a:fld id="{B7D555DA-B0AA-FF4A-8DB7-56EDA8C2FDB8}" type="datetimeFigureOut">
               <a:rPr lang="en-US" smtClean="0"/>
-              <a:t>8/15/22</a:t>
+              <a:t>8/16/22</a:t>
             </a:fld>
             <a:endParaRPr lang="en-US"/>
           </a:p>
@@ -1135,7 +1142,7 @@
           <a:p>
             <a:fld id="{B7D555DA-B0AA-FF4A-8DB7-56EDA8C2FDB8}" type="datetimeFigureOut">
               <a:rPr lang="en-US" smtClean="0"/>
-              <a:t>8/15/22</a:t>
+              <a:t>8/16/22</a:t>
             </a:fld>
             <a:endParaRPr lang="en-US"/>
           </a:p>
@@ -1400,7 +1407,7 @@
           <a:p>
             <a:fld id="{B7D555DA-B0AA-FF4A-8DB7-56EDA8C2FDB8}" type="datetimeFigureOut">
               <a:rPr lang="en-US" smtClean="0"/>
-              <a:t>8/15/22</a:t>
+              <a:t>8/16/22</a:t>
             </a:fld>
             <a:endParaRPr lang="en-US"/>
           </a:p>
@@ -1812,7 +1819,7 @@
           <a:p>
             <a:fld id="{B7D555DA-B0AA-FF4A-8DB7-56EDA8C2FDB8}" type="datetimeFigureOut">
               <a:rPr lang="en-US" smtClean="0"/>
-              <a:t>8/15/22</a:t>
+              <a:t>8/16/22</a:t>
             </a:fld>
             <a:endParaRPr lang="en-US"/>
           </a:p>
@@ -1953,7 +1960,7 @@
           <a:p>
             <a:fld id="{B7D555DA-B0AA-FF4A-8DB7-56EDA8C2FDB8}" type="datetimeFigureOut">
               <a:rPr lang="en-US" smtClean="0"/>
-              <a:t>8/15/22</a:t>
+              <a:t>8/16/22</a:t>
             </a:fld>
             <a:endParaRPr lang="en-US"/>
           </a:p>
@@ -2066,7 +2073,7 @@
           <a:p>
             <a:fld id="{B7D555DA-B0AA-FF4A-8DB7-56EDA8C2FDB8}" type="datetimeFigureOut">
               <a:rPr lang="en-US" smtClean="0"/>
-              <a:t>8/15/22</a:t>
+              <a:t>8/16/22</a:t>
             </a:fld>
             <a:endParaRPr lang="en-US"/>
           </a:p>
@@ -2377,7 +2384,7 @@
           <a:p>
             <a:fld id="{B7D555DA-B0AA-FF4A-8DB7-56EDA8C2FDB8}" type="datetimeFigureOut">
               <a:rPr lang="en-US" smtClean="0"/>
-              <a:t>8/15/22</a:t>
+              <a:t>8/16/22</a:t>
             </a:fld>
             <a:endParaRPr lang="en-US"/>
           </a:p>
@@ -2665,7 +2672,7 @@
           <a:p>
             <a:fld id="{B7D555DA-B0AA-FF4A-8DB7-56EDA8C2FDB8}" type="datetimeFigureOut">
               <a:rPr lang="en-US" smtClean="0"/>
-              <a:t>8/15/22</a:t>
+              <a:t>8/16/22</a:t>
             </a:fld>
             <a:endParaRPr lang="en-US"/>
           </a:p>
@@ -2906,7 +2913,7 @@
           <a:p>
             <a:fld id="{B7D555DA-B0AA-FF4A-8DB7-56EDA8C2FDB8}" type="datetimeFigureOut">
               <a:rPr lang="en-US" smtClean="0"/>
-              <a:t>8/15/22</a:t>
+              <a:t>8/16/22</a:t>
             </a:fld>
             <a:endParaRPr lang="en-US"/>
           </a:p>
@@ -3309,6 +3316,14 @@
 <file path=ppt/slides/slide1.xml><?xml version="1.0" encoding="utf-8"?>
 <p:sld xmlns:a="http://schemas.openxmlformats.org/drawingml/2006/main" xmlns:r="http://schemas.openxmlformats.org/officeDocument/2006/relationships" xmlns:p="http://schemas.openxmlformats.org/presentationml/2006/main">
   <p:cSld>
+    <p:bg>
+      <p:bgPr>
+        <a:solidFill>
+          <a:schemeClr val="bg1"/>
+        </a:solidFill>
+        <a:effectLst/>
+      </p:bgPr>
+    </p:bg>
     <p:spTree>
       <p:nvGrpSpPr>
         <p:cNvPr id="1" name=""/>
@@ -3323,6 +3338,457 @@
           <a:chExt cx="0" cy="0"/>
         </a:xfrm>
       </p:grpSpPr>
+      <p:sp useBgFill="1">
+        <p:nvSpPr>
+          <p:cNvPr id="8" name="Rectangle 7">
+            <a:extLst>
+              <a:ext uri="{FF2B5EF4-FFF2-40B4-BE49-F238E27FC236}">
+                <a16:creationId xmlns:a16="http://schemas.microsoft.com/office/drawing/2014/main" id="{FFD48BC7-DC40-47DE-87EE-9F4B6ECB9ABB}"/>
+              </a:ext>
+              <a:ext uri="{C183D7F6-B498-43B3-948B-1728B52AA6E4}">
+                <adec:decorative xmlns:adec="http://schemas.microsoft.com/office/drawing/2017/decorative" val="1"/>
+              </a:ext>
+            </a:extLst>
+          </p:cNvPr>
+          <p:cNvSpPr>
+            <a:spLocks noGrp="1" noRot="1" noChangeAspect="1" noMove="1" noResize="1" noEditPoints="1" noAdjustHandles="1" noChangeArrowheads="1" noChangeShapeType="1" noTextEdit="1"/>
+          </p:cNvSpPr>
+          <p:nvPr>
+            <p:extLst>
+              <p:ext uri="{386F3935-93C4-4BCD-93E2-E3B085C9AB24}">
+                <p16:designElem xmlns:p16="http://schemas.microsoft.com/office/powerpoint/2015/main" val="1"/>
+              </p:ext>
+            </p:extLst>
+          </p:nvPr>
+        </p:nvSpPr>
+        <p:spPr>
+          <a:xfrm>
+            <a:off x="0" y="0"/>
+            <a:ext cx="12192000" cy="6858000"/>
+          </a:xfrm>
+          <a:prstGeom prst="rect">
+            <a:avLst/>
+          </a:prstGeom>
+          <a:ln>
+            <a:noFill/>
+          </a:ln>
+        </p:spPr>
+        <p:style>
+          <a:lnRef idx="2">
+            <a:schemeClr val="accent1">
+              <a:shade val="50000"/>
+            </a:schemeClr>
+          </a:lnRef>
+          <a:fillRef idx="1">
+            <a:schemeClr val="accent1"/>
+          </a:fillRef>
+          <a:effectRef idx="0">
+            <a:schemeClr val="accent1"/>
+          </a:effectRef>
+          <a:fontRef idx="minor">
+            <a:schemeClr val="lt1"/>
+          </a:fontRef>
+        </p:style>
+        <p:txBody>
+          <a:bodyPr rtlCol="0" anchor="ctr"/>
+          <a:lstStyle/>
+          <a:p>
+            <a:pPr algn="ctr"/>
+            <a:endParaRPr lang="en-US"/>
+          </a:p>
+        </p:txBody>
+      </p:sp>
+      <p:sp useBgFill="1">
+        <p:nvSpPr>
+          <p:cNvPr id="10" name="Freeform: Shape 9">
+            <a:extLst>
+              <a:ext uri="{FF2B5EF4-FFF2-40B4-BE49-F238E27FC236}">
+                <a16:creationId xmlns:a16="http://schemas.microsoft.com/office/drawing/2014/main" id="{E502BBC7-2C76-46F3-BC24-5985BC13DB88}"/>
+              </a:ext>
+              <a:ext uri="{C183D7F6-B498-43B3-948B-1728B52AA6E4}">
+                <adec:decorative xmlns:adec="http://schemas.microsoft.com/office/drawing/2017/decorative" val="1"/>
+              </a:ext>
+            </a:extLst>
+          </p:cNvPr>
+          <p:cNvSpPr>
+            <a:spLocks noGrp="1" noRot="1" noChangeAspect="1" noMove="1" noResize="1" noEditPoints="1" noAdjustHandles="1" noChangeArrowheads="1" noChangeShapeType="1" noTextEdit="1"/>
+          </p:cNvSpPr>
+          <p:nvPr>
+            <p:extLst>
+              <p:ext uri="{386F3935-93C4-4BCD-93E2-E3B085C9AB24}">
+                <p16:designElem xmlns:p16="http://schemas.microsoft.com/office/powerpoint/2015/main" val="1"/>
+              </p:ext>
+            </p:extLst>
+          </p:nvPr>
+        </p:nvSpPr>
+        <p:spPr>
+          <a:xfrm>
+            <a:off x="1114425" y="0"/>
+            <a:ext cx="9963150" cy="6858000"/>
+          </a:xfrm>
+          <a:custGeom>
+            <a:avLst/>
+            <a:gdLst>
+              <a:gd name="connsiteX0" fmla="*/ 1595771 w 9963150"/>
+              <a:gd name="connsiteY0" fmla="*/ 0 h 6858000"/>
+              <a:gd name="connsiteX1" fmla="*/ 8367379 w 9963150"/>
+              <a:gd name="connsiteY1" fmla="*/ 0 h 6858000"/>
+              <a:gd name="connsiteX2" fmla="*/ 8504080 w 9963150"/>
+              <a:gd name="connsiteY2" fmla="*/ 130333 h 6858000"/>
+              <a:gd name="connsiteX3" fmla="*/ 9963150 w 9963150"/>
+              <a:gd name="connsiteY3" fmla="*/ 3652838 h 6858000"/>
+              <a:gd name="connsiteX4" fmla="*/ 8825600 w 9963150"/>
+              <a:gd name="connsiteY4" fmla="*/ 6821583 h 6858000"/>
+              <a:gd name="connsiteX5" fmla="*/ 8794055 w 9963150"/>
+              <a:gd name="connsiteY5" fmla="*/ 6858000 h 6858000"/>
+              <a:gd name="connsiteX6" fmla="*/ 1169096 w 9963150"/>
+              <a:gd name="connsiteY6" fmla="*/ 6858000 h 6858000"/>
+              <a:gd name="connsiteX7" fmla="*/ 1137550 w 9963150"/>
+              <a:gd name="connsiteY7" fmla="*/ 6821583 h 6858000"/>
+              <a:gd name="connsiteX8" fmla="*/ 0 w 9963150"/>
+              <a:gd name="connsiteY8" fmla="*/ 3652838 h 6858000"/>
+              <a:gd name="connsiteX9" fmla="*/ 1459070 w 9963150"/>
+              <a:gd name="connsiteY9" fmla="*/ 130333 h 6858000"/>
+            </a:gdLst>
+            <a:ahLst/>
+            <a:cxnLst>
+              <a:cxn ang="0">
+                <a:pos x="connsiteX0" y="connsiteY0"/>
+              </a:cxn>
+              <a:cxn ang="0">
+                <a:pos x="connsiteX1" y="connsiteY1"/>
+              </a:cxn>
+              <a:cxn ang="0">
+                <a:pos x="connsiteX2" y="connsiteY2"/>
+              </a:cxn>
+              <a:cxn ang="0">
+                <a:pos x="connsiteX3" y="connsiteY3"/>
+              </a:cxn>
+              <a:cxn ang="0">
+                <a:pos x="connsiteX4" y="connsiteY4"/>
+              </a:cxn>
+              <a:cxn ang="0">
+                <a:pos x="connsiteX5" y="connsiteY5"/>
+              </a:cxn>
+              <a:cxn ang="0">
+                <a:pos x="connsiteX6" y="connsiteY6"/>
+              </a:cxn>
+              <a:cxn ang="0">
+                <a:pos x="connsiteX7" y="connsiteY7"/>
+              </a:cxn>
+              <a:cxn ang="0">
+                <a:pos x="connsiteX8" y="connsiteY8"/>
+              </a:cxn>
+              <a:cxn ang="0">
+                <a:pos x="connsiteX9" y="connsiteY9"/>
+              </a:cxn>
+            </a:cxnLst>
+            <a:rect l="l" t="t" r="r" b="b"/>
+            <a:pathLst>
+              <a:path w="9963150" h="6858000">
+                <a:moveTo>
+                  <a:pt x="1595771" y="0"/>
+                </a:moveTo>
+                <a:lnTo>
+                  <a:pt x="8367379" y="0"/>
+                </a:lnTo>
+                <a:lnTo>
+                  <a:pt x="8504080" y="130333"/>
+                </a:lnTo>
+                <a:cubicBezTo>
+                  <a:pt x="9405568" y="1031820"/>
+                  <a:pt x="9963150" y="2277214"/>
+                  <a:pt x="9963150" y="3652838"/>
+                </a:cubicBezTo>
+                <a:cubicBezTo>
+                  <a:pt x="9963150" y="4856509"/>
+                  <a:pt x="9536251" y="5960473"/>
+                  <a:pt x="8825600" y="6821583"/>
+                </a:cubicBezTo>
+                <a:lnTo>
+                  <a:pt x="8794055" y="6858000"/>
+                </a:lnTo>
+                <a:lnTo>
+                  <a:pt x="1169096" y="6858000"/>
+                </a:lnTo>
+                <a:lnTo>
+                  <a:pt x="1137550" y="6821583"/>
+                </a:lnTo>
+                <a:cubicBezTo>
+                  <a:pt x="426899" y="5960473"/>
+                  <a:pt x="0" y="4856509"/>
+                  <a:pt x="0" y="3652838"/>
+                </a:cubicBezTo>
+                <a:cubicBezTo>
+                  <a:pt x="0" y="2277214"/>
+                  <a:pt x="557582" y="1031820"/>
+                  <a:pt x="1459070" y="130333"/>
+                </a:cubicBezTo>
+                <a:close/>
+              </a:path>
+            </a:pathLst>
+          </a:custGeom>
+          <a:ln w="9525">
+            <a:solidFill>
+              <a:srgbClr val="EFEFEF"/>
+            </a:solidFill>
+          </a:ln>
+          <a:effectLst>
+            <a:outerShdw blurRad="139700" sx="102000" sy="102000" algn="ctr" rotWithShape="0">
+              <a:schemeClr val="bg1">
+                <a:lumMod val="85000"/>
+                <a:alpha val="38000"/>
+              </a:schemeClr>
+            </a:outerShdw>
+          </a:effectLst>
+        </p:spPr>
+        <p:style>
+          <a:lnRef idx="2">
+            <a:schemeClr val="accent1">
+              <a:shade val="50000"/>
+            </a:schemeClr>
+          </a:lnRef>
+          <a:fillRef idx="1">
+            <a:schemeClr val="accent1"/>
+          </a:fillRef>
+          <a:effectRef idx="0">
+            <a:schemeClr val="accent1"/>
+          </a:effectRef>
+          <a:fontRef idx="minor">
+            <a:schemeClr val="lt1"/>
+          </a:fontRef>
+        </p:style>
+        <p:txBody>
+          <a:bodyPr wrap="square" rtlCol="0" anchor="ctr">
+            <a:noAutofit/>
+          </a:bodyPr>
+          <a:lstStyle/>
+          <a:p>
+            <a:pPr marL="0" marR="0" lvl="0" indent="0" algn="ctr" defTabSz="914400" rtl="0" eaLnBrk="1" fontAlgn="auto" latinLnBrk="0" hangingPunct="1">
+              <a:lnSpc>
+                <a:spcPct val="100000"/>
+              </a:lnSpc>
+              <a:spcBef>
+                <a:spcPts val="0"/>
+              </a:spcBef>
+              <a:spcAft>
+                <a:spcPts val="0"/>
+              </a:spcAft>
+              <a:buClrTx/>
+              <a:buSzTx/>
+              <a:buFontTx/>
+              <a:buNone/>
+              <a:tabLst/>
+              <a:defRPr/>
+            </a:pPr>
+            <a:endParaRPr kumimoji="0" lang="en-US" sz="1800" b="0" i="0" u="none" strike="noStrike" kern="1200" cap="none" spc="0" normalizeH="0" baseline="0" noProof="0">
+              <a:ln>
+                <a:noFill/>
+              </a:ln>
+              <a:solidFill>
+                <a:prstClr val="white"/>
+              </a:solidFill>
+              <a:effectLst/>
+              <a:uLnTx/>
+              <a:uFillTx/>
+              <a:latin typeface="Calibri" panose="020F0502020204030204"/>
+              <a:ea typeface="+mn-ea"/>
+              <a:cs typeface="+mn-cs"/>
+            </a:endParaRPr>
+          </a:p>
+        </p:txBody>
+      </p:sp>
+      <p:sp useBgFill="1">
+        <p:nvSpPr>
+          <p:cNvPr id="12" name="Freeform: Shape 11">
+            <a:extLst>
+              <a:ext uri="{FF2B5EF4-FFF2-40B4-BE49-F238E27FC236}">
+                <a16:creationId xmlns:a16="http://schemas.microsoft.com/office/drawing/2014/main" id="{C7F28D52-2A5F-4D23-81AE-7CB8B591C7AF}"/>
+              </a:ext>
+              <a:ext uri="{C183D7F6-B498-43B3-948B-1728B52AA6E4}">
+                <adec:decorative xmlns:adec="http://schemas.microsoft.com/office/drawing/2017/decorative" val="1"/>
+              </a:ext>
+            </a:extLst>
+          </p:cNvPr>
+          <p:cNvSpPr>
+            <a:spLocks noGrp="1" noRot="1" noChangeAspect="1" noMove="1" noResize="1" noEditPoints="1" noAdjustHandles="1" noChangeArrowheads="1" noChangeShapeType="1" noTextEdit="1"/>
+          </p:cNvSpPr>
+          <p:nvPr>
+            <p:extLst>
+              <p:ext uri="{386F3935-93C4-4BCD-93E2-E3B085C9AB24}">
+                <p16:designElem xmlns:p16="http://schemas.microsoft.com/office/powerpoint/2015/main" val="1"/>
+              </p:ext>
+            </p:extLst>
+          </p:nvPr>
+        </p:nvSpPr>
+        <p:spPr>
+          <a:xfrm>
+            <a:off x="1121664" y="0"/>
+            <a:ext cx="9948672" cy="6858000"/>
+          </a:xfrm>
+          <a:custGeom>
+            <a:avLst/>
+            <a:gdLst>
+              <a:gd name="connsiteX0" fmla="*/ 1595771 w 9963150"/>
+              <a:gd name="connsiteY0" fmla="*/ 0 h 6858000"/>
+              <a:gd name="connsiteX1" fmla="*/ 8367379 w 9963150"/>
+              <a:gd name="connsiteY1" fmla="*/ 0 h 6858000"/>
+              <a:gd name="connsiteX2" fmla="*/ 8504080 w 9963150"/>
+              <a:gd name="connsiteY2" fmla="*/ 130333 h 6858000"/>
+              <a:gd name="connsiteX3" fmla="*/ 9963150 w 9963150"/>
+              <a:gd name="connsiteY3" fmla="*/ 3652838 h 6858000"/>
+              <a:gd name="connsiteX4" fmla="*/ 8825600 w 9963150"/>
+              <a:gd name="connsiteY4" fmla="*/ 6821583 h 6858000"/>
+              <a:gd name="connsiteX5" fmla="*/ 8794055 w 9963150"/>
+              <a:gd name="connsiteY5" fmla="*/ 6858000 h 6858000"/>
+              <a:gd name="connsiteX6" fmla="*/ 1169096 w 9963150"/>
+              <a:gd name="connsiteY6" fmla="*/ 6858000 h 6858000"/>
+              <a:gd name="connsiteX7" fmla="*/ 1137550 w 9963150"/>
+              <a:gd name="connsiteY7" fmla="*/ 6821583 h 6858000"/>
+              <a:gd name="connsiteX8" fmla="*/ 0 w 9963150"/>
+              <a:gd name="connsiteY8" fmla="*/ 3652838 h 6858000"/>
+              <a:gd name="connsiteX9" fmla="*/ 1459070 w 9963150"/>
+              <a:gd name="connsiteY9" fmla="*/ 130333 h 6858000"/>
+            </a:gdLst>
+            <a:ahLst/>
+            <a:cxnLst>
+              <a:cxn ang="0">
+                <a:pos x="connsiteX0" y="connsiteY0"/>
+              </a:cxn>
+              <a:cxn ang="0">
+                <a:pos x="connsiteX1" y="connsiteY1"/>
+              </a:cxn>
+              <a:cxn ang="0">
+                <a:pos x="connsiteX2" y="connsiteY2"/>
+              </a:cxn>
+              <a:cxn ang="0">
+                <a:pos x="connsiteX3" y="connsiteY3"/>
+              </a:cxn>
+              <a:cxn ang="0">
+                <a:pos x="connsiteX4" y="connsiteY4"/>
+              </a:cxn>
+              <a:cxn ang="0">
+                <a:pos x="connsiteX5" y="connsiteY5"/>
+              </a:cxn>
+              <a:cxn ang="0">
+                <a:pos x="connsiteX6" y="connsiteY6"/>
+              </a:cxn>
+              <a:cxn ang="0">
+                <a:pos x="connsiteX7" y="connsiteY7"/>
+              </a:cxn>
+              <a:cxn ang="0">
+                <a:pos x="connsiteX8" y="connsiteY8"/>
+              </a:cxn>
+              <a:cxn ang="0">
+                <a:pos x="connsiteX9" y="connsiteY9"/>
+              </a:cxn>
+            </a:cxnLst>
+            <a:rect l="l" t="t" r="r" b="b"/>
+            <a:pathLst>
+              <a:path w="9963150" h="6858000">
+                <a:moveTo>
+                  <a:pt x="1595771" y="0"/>
+                </a:moveTo>
+                <a:lnTo>
+                  <a:pt x="8367379" y="0"/>
+                </a:lnTo>
+                <a:lnTo>
+                  <a:pt x="8504080" y="130333"/>
+                </a:lnTo>
+                <a:cubicBezTo>
+                  <a:pt x="9405568" y="1031820"/>
+                  <a:pt x="9963150" y="2277214"/>
+                  <a:pt x="9963150" y="3652838"/>
+                </a:cubicBezTo>
+                <a:cubicBezTo>
+                  <a:pt x="9963150" y="4856509"/>
+                  <a:pt x="9536251" y="5960473"/>
+                  <a:pt x="8825600" y="6821583"/>
+                </a:cubicBezTo>
+                <a:lnTo>
+                  <a:pt x="8794055" y="6858000"/>
+                </a:lnTo>
+                <a:lnTo>
+                  <a:pt x="1169096" y="6858000"/>
+                </a:lnTo>
+                <a:lnTo>
+                  <a:pt x="1137550" y="6821583"/>
+                </a:lnTo>
+                <a:cubicBezTo>
+                  <a:pt x="426899" y="5960473"/>
+                  <a:pt x="0" y="4856509"/>
+                  <a:pt x="0" y="3652838"/>
+                </a:cubicBezTo>
+                <a:cubicBezTo>
+                  <a:pt x="0" y="2277214"/>
+                  <a:pt x="557582" y="1031820"/>
+                  <a:pt x="1459070" y="130333"/>
+                </a:cubicBezTo>
+                <a:close/>
+              </a:path>
+            </a:pathLst>
+          </a:custGeom>
+          <a:ln w="9525">
+            <a:noFill/>
+          </a:ln>
+          <a:effectLst/>
+        </p:spPr>
+        <p:style>
+          <a:lnRef idx="2">
+            <a:schemeClr val="accent1">
+              <a:shade val="50000"/>
+            </a:schemeClr>
+          </a:lnRef>
+          <a:fillRef idx="1">
+            <a:schemeClr val="accent1"/>
+          </a:fillRef>
+          <a:effectRef idx="0">
+            <a:schemeClr val="accent1"/>
+          </a:effectRef>
+          <a:fontRef idx="minor">
+            <a:schemeClr val="lt1"/>
+          </a:fontRef>
+        </p:style>
+        <p:txBody>
+          <a:bodyPr wrap="square" rtlCol="0" anchor="ctr">
+            <a:noAutofit/>
+          </a:bodyPr>
+          <a:lstStyle/>
+          <a:p>
+            <a:pPr marL="0" marR="0" lvl="0" indent="0" algn="ctr" defTabSz="914400" rtl="0" eaLnBrk="1" fontAlgn="auto" latinLnBrk="0" hangingPunct="1">
+              <a:lnSpc>
+                <a:spcPct val="100000"/>
+              </a:lnSpc>
+              <a:spcBef>
+                <a:spcPts val="0"/>
+              </a:spcBef>
+              <a:spcAft>
+                <a:spcPts val="0"/>
+              </a:spcAft>
+              <a:buClrTx/>
+              <a:buSzTx/>
+              <a:buFontTx/>
+              <a:buNone/>
+              <a:tabLst/>
+              <a:defRPr/>
+            </a:pPr>
+            <a:endParaRPr kumimoji="0" lang="en-US" sz="1800" b="0" i="0" u="none" strike="noStrike" kern="1200" cap="none" spc="0" normalizeH="0" baseline="0" noProof="0">
+              <a:ln>
+                <a:noFill/>
+              </a:ln>
+              <a:solidFill>
+                <a:prstClr val="white"/>
+              </a:solidFill>
+              <a:effectLst/>
+              <a:uLnTx/>
+              <a:uFillTx/>
+              <a:latin typeface="Calibri" panose="020F0502020204030204"/>
+              <a:ea typeface="+mn-ea"/>
+              <a:cs typeface="+mn-cs"/>
+            </a:endParaRPr>
+          </a:p>
+        </p:txBody>
+      </p:sp>
       <p:sp>
         <p:nvSpPr>
           <p:cNvPr id="2" name="Title 1">
@@ -3339,13 +3805,20 @@
             <p:ph type="ctrTitle"/>
           </p:nvPr>
         </p:nvSpPr>
-        <p:spPr/>
-        <p:txBody>
-          <a:bodyPr/>
+        <p:spPr>
+          <a:xfrm>
+            <a:off x="1524003" y="1999615"/>
+            <a:ext cx="9144000" cy="2764028"/>
+          </a:xfrm>
+        </p:spPr>
+        <p:txBody>
+          <a:bodyPr anchor="ctr">
+            <a:normAutofit/>
+          </a:bodyPr>
           <a:lstStyle/>
           <a:p>
             <a:r>
-              <a:rPr lang="en-US" dirty="0"/>
+              <a:rPr lang="en-US" sz="7200"/>
               <a:t>Weekly Meeting 08/19/22</a:t>
             </a:r>
           </a:p>
@@ -3367,20 +3840,114 @@
             <p:ph type="subTitle" idx="1"/>
           </p:nvPr>
         </p:nvSpPr>
-        <p:spPr/>
-        <p:txBody>
-          <a:bodyPr/>
+        <p:spPr>
+          <a:xfrm>
+            <a:off x="1966912" y="5645150"/>
+            <a:ext cx="8258176" cy="631825"/>
+          </a:xfrm>
+        </p:spPr>
+        <p:txBody>
+          <a:bodyPr anchor="ctr">
+            <a:normAutofit/>
+          </a:bodyPr>
           <a:lstStyle/>
           <a:p>
             <a:r>
-              <a:rPr lang="en-US" dirty="0"/>
-              <a:t>By: Jeremy </a:t>
-            </a:r>
-            <a:r>
-              <a:rPr lang="en-US" dirty="0" err="1"/>
-              <a:t>Benik</a:t>
-            </a:r>
-            <a:endParaRPr lang="en-US" dirty="0"/>
+              <a:rPr lang="en-US" sz="2800"/>
+              <a:t>By: Jeremy Benik</a:t>
+            </a:r>
+          </a:p>
+        </p:txBody>
+      </p:sp>
+      <p:sp>
+        <p:nvSpPr>
+          <p:cNvPr id="14" name="Rectangle 13">
+            <a:extLst>
+              <a:ext uri="{FF2B5EF4-FFF2-40B4-BE49-F238E27FC236}">
+                <a16:creationId xmlns:a16="http://schemas.microsoft.com/office/drawing/2014/main" id="{3629484E-3792-4B3D-89AD-7C8A1ED0E0D4}"/>
+              </a:ext>
+              <a:ext uri="{C183D7F6-B498-43B3-948B-1728B52AA6E4}">
+                <adec:decorative xmlns:adec="http://schemas.microsoft.com/office/drawing/2017/decorative" val="1"/>
+              </a:ext>
+            </a:extLst>
+          </p:cNvPr>
+          <p:cNvSpPr>
+            <a:spLocks noGrp="1" noRot="1" noChangeAspect="1" noMove="1" noResize="1" noEditPoints="1" noAdjustHandles="1" noChangeArrowheads="1" noChangeShapeType="1" noTextEdit="1"/>
+          </p:cNvSpPr>
+          <p:nvPr>
+            <p:extLst>
+              <p:ext uri="{386F3935-93C4-4BCD-93E2-E3B085C9AB24}">
+                <p16:designElem xmlns:p16="http://schemas.microsoft.com/office/powerpoint/2015/main" val="1"/>
+              </p:ext>
+            </p:extLst>
+          </p:nvPr>
+        </p:nvSpPr>
+        <p:spPr>
+          <a:xfrm>
+            <a:off x="3718560" y="5524786"/>
+            <a:ext cx="4754880" cy="27432"/>
+          </a:xfrm>
+          <a:prstGeom prst="rect">
+            <a:avLst/>
+          </a:prstGeom>
+          <a:solidFill>
+            <a:schemeClr val="accent2"/>
+          </a:solidFill>
+          <a:ln>
+            <a:noFill/>
+          </a:ln>
+        </p:spPr>
+        <p:style>
+          <a:lnRef idx="2">
+            <a:schemeClr val="accent1">
+              <a:shade val="50000"/>
+            </a:schemeClr>
+          </a:lnRef>
+          <a:fillRef idx="1">
+            <a:schemeClr val="accent1"/>
+          </a:fillRef>
+          <a:effectRef idx="0">
+            <a:schemeClr val="accent1"/>
+          </a:effectRef>
+          <a:fontRef idx="minor">
+            <a:schemeClr val="lt1"/>
+          </a:fontRef>
+        </p:style>
+        <p:txBody>
+          <a:bodyPr rtlCol="0" anchor="ctr"/>
+          <a:lstStyle/>
+          <a:p>
+            <a:pPr marL="0" marR="0" lvl="0" indent="0" algn="ctr" defTabSz="914400" rtl="0" eaLnBrk="1" fontAlgn="auto" latinLnBrk="0" hangingPunct="1">
+              <a:lnSpc>
+                <a:spcPct val="100000"/>
+              </a:lnSpc>
+              <a:spcBef>
+                <a:spcPts val="0"/>
+              </a:spcBef>
+              <a:spcAft>
+                <a:spcPts val="0"/>
+              </a:spcAft>
+              <a:buClrTx/>
+              <a:buSzTx/>
+              <a:buFontTx/>
+              <a:buNone/>
+              <a:tabLst/>
+              <a:defRPr/>
+            </a:pPr>
+            <a:endParaRPr kumimoji="0" lang="en-US" sz="1800" b="0" i="0" u="none" strike="noStrike" kern="1200" cap="none" spc="0" normalizeH="0" baseline="0" noProof="0">
+              <a:ln>
+                <a:noFill/>
+              </a:ln>
+              <a:solidFill>
+                <a:prstClr val="white"/>
+              </a:solidFill>
+              <a:effectLst/>
+              <a:uLnTx/>
+              <a:uFillTx/>
+              <a:latin typeface="Calibri" panose="020F0502020204030204"/>
+              <a:ea typeface="+mn-ea"/>
+              <a:cs typeface="+mn-cs"/>
+            </a:endParaRPr>
           </a:p>
         </p:txBody>
       </p:sp>
@@ -3394,12 +3961,159 @@
   <p:clrMapOvr>
     <a:masterClrMapping/>
   </p:clrMapOvr>
+  <p:timing>
+    <p:tnLst>
+      <p:par>
+        <p:cTn id="1" dur="indefinite" restart="never" nodeType="tmRoot">
+          <p:childTnLst>
+            <p:seq concurrent="1" nextAc="seek">
+              <p:cTn id="2" dur="indefinite" nodeType="mainSeq">
+                <p:childTnLst>
+                  <p:par>
+                    <p:cTn id="3" fill="hold">
+                      <p:stCondLst>
+                        <p:cond delay="indefinite"/>
+                        <p:cond evt="onBegin" delay="0">
+                          <p:tn val="2"/>
+                        </p:cond>
+                      </p:stCondLst>
+                      <p:childTnLst>
+                        <p:par>
+                          <p:cTn id="4" fill="hold">
+                            <p:stCondLst>
+                              <p:cond delay="0"/>
+                            </p:stCondLst>
+                            <p:childTnLst>
+                              <p:par>
+                                <p:cTn id="5" presetID="10" presetClass="entr" presetSubtype="0" fill="hold" grpId="0" nodeType="withEffect">
+                                  <p:stCondLst>
+                                    <p:cond delay="1000"/>
+                                  </p:stCondLst>
+                                  <p:iterate type="wd">
+                                    <p:tmPct val="15000"/>
+                                  </p:iterate>
+                                  <p:childTnLst>
+                                    <p:set>
+                                      <p:cBhvr>
+                                        <p:cTn id="6" dur="1" fill="hold">
+                                          <p:stCondLst>
+                                            <p:cond delay="0"/>
+                                          </p:stCondLst>
+                                        </p:cTn>
+                                        <p:tgtEl>
+                                          <p:spTgt spid="3">
+                                            <p:txEl>
+                                              <p:pRg st="0" end="0"/>
+                                            </p:txEl>
+                                          </p:spTgt>
+                                        </p:tgtEl>
+                                        <p:attrNameLst>
+                                          <p:attrName>style.visibility</p:attrName>
+                                        </p:attrNameLst>
+                                      </p:cBhvr>
+                                      <p:to>
+                                        <p:strVal val="visible"/>
+                                      </p:to>
+                                    </p:set>
+                                    <p:animEffect transition="in" filter="fade">
+                                      <p:cBhvr>
+                                        <p:cTn id="7" dur="1000"/>
+                                        <p:tgtEl>
+                                          <p:spTgt spid="3">
+                                            <p:txEl>
+                                              <p:pRg st="0" end="0"/>
+                                            </p:txEl>
+                                          </p:spTgt>
+                                        </p:tgtEl>
+                                      </p:cBhvr>
+                                    </p:animEffect>
+                                  </p:childTnLst>
+                                </p:cTn>
+                              </p:par>
+                              <p:par>
+                                <p:cTn id="8" presetID="10" presetClass="entr" presetSubtype="0" fill="hold" grpId="0" nodeType="withEffect">
+                                  <p:stCondLst>
+                                    <p:cond delay="500"/>
+                                  </p:stCondLst>
+                                  <p:iterate type="wd">
+                                    <p:tmPct val="15000"/>
+                                  </p:iterate>
+                                  <p:childTnLst>
+                                    <p:set>
+                                      <p:cBhvr>
+                                        <p:cTn id="9" dur="1" fill="hold">
+                                          <p:stCondLst>
+                                            <p:cond delay="0"/>
+                                          </p:stCondLst>
+                                        </p:cTn>
+                                        <p:tgtEl>
+                                          <p:spTgt spid="2"/>
+                                        </p:tgtEl>
+                                        <p:attrNameLst>
+                                          <p:attrName>style.visibility</p:attrName>
+                                        </p:attrNameLst>
+                                      </p:cBhvr>
+                                      <p:to>
+                                        <p:strVal val="visible"/>
+                                      </p:to>
+                                    </p:set>
+                                    <p:animEffect transition="in" filter="fade">
+                                      <p:cBhvr>
+                                        <p:cTn id="10" dur="1000"/>
+                                        <p:tgtEl>
+                                          <p:spTgt spid="2"/>
+                                        </p:tgtEl>
+                                      </p:cBhvr>
+                                    </p:animEffect>
+                                  </p:childTnLst>
+                                </p:cTn>
+                              </p:par>
+                            </p:childTnLst>
+                          </p:cTn>
+                        </p:par>
+                      </p:childTnLst>
+                    </p:cTn>
+                  </p:par>
+                </p:childTnLst>
+              </p:cTn>
+              <p:prevCondLst>
+                <p:cond evt="onPrev" delay="0">
+                  <p:tgtEl>
+                    <p:sldTgt/>
+                  </p:tgtEl>
+                </p:cond>
+              </p:prevCondLst>
+              <p:nextCondLst>
+                <p:cond evt="onNext" delay="0">
+                  <p:tgtEl>
+                    <p:sldTgt/>
+                  </p:tgtEl>
+                </p:cond>
+              </p:nextCondLst>
+            </p:seq>
+          </p:childTnLst>
+        </p:cTn>
+      </p:par>
+    </p:tnLst>
+    <p:bldLst>
+      <p:bldP spid="2" grpId="0"/>
+      <p:bldP spid="3" grpId="0" build="p"/>
+    </p:bldLst>
+  </p:timing>
 </p:sld>
 </file>
 
 <file path=ppt/slides/slide2.xml><?xml version="1.0" encoding="utf-8"?>
 <p:sld xmlns:a="http://schemas.openxmlformats.org/drawingml/2006/main" xmlns:r="http://schemas.openxmlformats.org/officeDocument/2006/relationships" xmlns:p="http://schemas.openxmlformats.org/presentationml/2006/main">
   <p:cSld>
+    <p:bg>
+      <p:bgPr>
+        <a:solidFill>
+          <a:schemeClr val="bg1"/>
+        </a:solidFill>
+        <a:effectLst/>
+      </p:bgPr>
+    </p:bg>
     <p:spTree>
       <p:nvGrpSpPr>
         <p:cNvPr id="1" name=""/>
@@ -3414,6 +4128,66 @@
           <a:chExt cx="0" cy="0"/>
         </a:xfrm>
       </p:grpSpPr>
+      <p:sp useBgFill="1">
+        <p:nvSpPr>
+          <p:cNvPr id="8" name="Rectangle 7">
+            <a:extLst>
+              <a:ext uri="{FF2B5EF4-FFF2-40B4-BE49-F238E27FC236}">
+                <a16:creationId xmlns:a16="http://schemas.microsoft.com/office/drawing/2014/main" id="{100EDD19-6802-4EC3-95CE-CFFAB042CFD6}"/>
+              </a:ext>
+              <a:ext uri="{C183D7F6-B498-43B3-948B-1728B52AA6E4}">
+                <adec:decorative xmlns:adec="http://schemas.microsoft.com/office/drawing/2017/decorative" val="1"/>
+              </a:ext>
+            </a:extLst>
+          </p:cNvPr>
+          <p:cNvSpPr>
+            <a:spLocks noGrp="1" noRot="1" noChangeAspect="1" noMove="1" noResize="1" noEditPoints="1" noAdjustHandles="1" noChangeArrowheads="1" noChangeShapeType="1" noTextEdit="1"/>
+          </p:cNvSpPr>
+          <p:nvPr>
+            <p:extLst>
+              <p:ext uri="{386F3935-93C4-4BCD-93E2-E3B085C9AB24}">
+                <p16:designElem xmlns:p16="http://schemas.microsoft.com/office/powerpoint/2015/main" val="1"/>
+              </p:ext>
+            </p:extLst>
+          </p:nvPr>
+        </p:nvSpPr>
+        <p:spPr>
+          <a:xfrm>
+            <a:off x="0" y="0"/>
+            <a:ext cx="12188952" cy="6858000"/>
+          </a:xfrm>
+          <a:prstGeom prst="rect">
+            <a:avLst/>
+          </a:prstGeom>
+          <a:ln>
+            <a:noFill/>
+          </a:ln>
+        </p:spPr>
+        <p:style>
+          <a:lnRef idx="2">
+            <a:schemeClr val="accent1">
+              <a:shade val="50000"/>
+            </a:schemeClr>
+          </a:lnRef>
+          <a:fillRef idx="1">
+            <a:schemeClr val="accent1"/>
+          </a:fillRef>
+          <a:effectRef idx="0">
+            <a:schemeClr val="accent1"/>
+          </a:effectRef>
+          <a:fontRef idx="minor">
+            <a:schemeClr val="lt1"/>
+          </a:fontRef>
+        </p:style>
+        <p:txBody>
+          <a:bodyPr rtlCol="0" anchor="ctr"/>
+          <a:lstStyle/>
+          <a:p>
+            <a:pPr algn="ctr"/>
+            <a:endParaRPr lang="en-US"/>
+          </a:p>
+        </p:txBody>
+      </p:sp>
       <p:sp>
         <p:nvSpPr>
           <p:cNvPr id="2" name="Title 1">
@@ -3430,144 +4204,847 @@
             <p:ph type="title"/>
           </p:nvPr>
         </p:nvSpPr>
-        <p:spPr/>
-        <p:txBody>
-          <a:bodyPr/>
-          <a:lstStyle/>
-          <a:p>
-            <a:r>
-              <a:rPr lang="en-US" dirty="0"/>
-              <a:t>Last Week To Do</a:t>
-            </a:r>
-          </a:p>
-        </p:txBody>
-      </p:sp>
-      <p:sp>
-        <p:nvSpPr>
-          <p:cNvPr id="3" name="Content Placeholder 2">
-            <a:extLst>
-              <a:ext uri="{FF2B5EF4-FFF2-40B4-BE49-F238E27FC236}">
-                <a16:creationId xmlns:a16="http://schemas.microsoft.com/office/drawing/2014/main" id="{0BC618F2-297F-5AB2-C6B8-A948C882FD95}"/>
-              </a:ext>
-            </a:extLst>
-          </p:cNvPr>
-          <p:cNvSpPr>
-            <a:spLocks noGrp="1"/>
-          </p:cNvSpPr>
-          <p:nvPr>
-            <p:ph idx="1"/>
-          </p:nvPr>
-        </p:nvSpPr>
-        <p:spPr/>
+        <p:spPr>
+          <a:xfrm>
+            <a:off x="838200" y="365125"/>
+            <a:ext cx="10515600" cy="1325563"/>
+          </a:xfrm>
+        </p:spPr>
         <p:txBody>
           <a:bodyPr>
-            <a:normAutofit fontScale="92500" lnSpcReduction="20000"/>
+            <a:normAutofit/>
           </a:bodyPr>
           <a:lstStyle/>
           <a:p>
             <a:r>
-              <a:rPr lang="en-US" dirty="0"/>
+              <a:rPr lang="en-US" sz="5400"/>
+              <a:t>Last Week To Do</a:t>
+            </a:r>
+          </a:p>
+        </p:txBody>
+      </p:sp>
+      <p:sp>
+        <p:nvSpPr>
+          <p:cNvPr id="10" name="sketch line">
+            <a:extLst>
+              <a:ext uri="{FF2B5EF4-FFF2-40B4-BE49-F238E27FC236}">
+                <a16:creationId xmlns:a16="http://schemas.microsoft.com/office/drawing/2014/main" id="{DB17E863-922E-4C26-BD64-E8FD41D28661}"/>
+              </a:ext>
+              <a:ext uri="{C183D7F6-B498-43B3-948B-1728B52AA6E4}">
+                <adec:decorative xmlns:adec="http://schemas.microsoft.com/office/drawing/2017/decorative" val="1"/>
+              </a:ext>
+            </a:extLst>
+          </p:cNvPr>
+          <p:cNvSpPr>
+            <a:spLocks noGrp="1" noRot="1" noChangeAspect="1" noMove="1" noResize="1" noEditPoints="1" noAdjustHandles="1" noChangeArrowheads="1" noChangeShapeType="1" noTextEdit="1"/>
+          </p:cNvSpPr>
+          <p:nvPr>
+            <p:extLst>
+              <p:ext uri="{386F3935-93C4-4BCD-93E2-E3B085C9AB24}">
+                <p16:designElem xmlns:p16="http://schemas.microsoft.com/office/powerpoint/2015/main" val="1"/>
+              </p:ext>
+            </p:extLst>
+          </p:nvPr>
+        </p:nvSpPr>
+        <p:spPr>
+          <a:xfrm>
+            <a:off x="669036" y="1677373"/>
+            <a:ext cx="10853928" cy="18288"/>
+          </a:xfrm>
+          <a:custGeom>
+            <a:avLst/>
+            <a:gdLst>
+              <a:gd name="connsiteX0" fmla="*/ 0 w 10853928"/>
+              <a:gd name="connsiteY0" fmla="*/ 0 h 18288"/>
+              <a:gd name="connsiteX1" fmla="*/ 461292 w 10853928"/>
+              <a:gd name="connsiteY1" fmla="*/ 0 h 18288"/>
+              <a:gd name="connsiteX2" fmla="*/ 1139662 w 10853928"/>
+              <a:gd name="connsiteY2" fmla="*/ 0 h 18288"/>
+              <a:gd name="connsiteX3" fmla="*/ 1926572 w 10853928"/>
+              <a:gd name="connsiteY3" fmla="*/ 0 h 18288"/>
+              <a:gd name="connsiteX4" fmla="*/ 2279325 w 10853928"/>
+              <a:gd name="connsiteY4" fmla="*/ 0 h 18288"/>
+              <a:gd name="connsiteX5" fmla="*/ 2632078 w 10853928"/>
+              <a:gd name="connsiteY5" fmla="*/ 0 h 18288"/>
+              <a:gd name="connsiteX6" fmla="*/ 3527527 w 10853928"/>
+              <a:gd name="connsiteY6" fmla="*/ 0 h 18288"/>
+              <a:gd name="connsiteX7" fmla="*/ 4205897 w 10853928"/>
+              <a:gd name="connsiteY7" fmla="*/ 0 h 18288"/>
+              <a:gd name="connsiteX8" fmla="*/ 4558650 w 10853928"/>
+              <a:gd name="connsiteY8" fmla="*/ 0 h 18288"/>
+              <a:gd name="connsiteX9" fmla="*/ 5237020 w 10853928"/>
+              <a:gd name="connsiteY9" fmla="*/ 0 h 18288"/>
+              <a:gd name="connsiteX10" fmla="*/ 6132469 w 10853928"/>
+              <a:gd name="connsiteY10" fmla="*/ 0 h 18288"/>
+              <a:gd name="connsiteX11" fmla="*/ 6702301 w 10853928"/>
+              <a:gd name="connsiteY11" fmla="*/ 0 h 18288"/>
+              <a:gd name="connsiteX12" fmla="*/ 7272132 w 10853928"/>
+              <a:gd name="connsiteY12" fmla="*/ 0 h 18288"/>
+              <a:gd name="connsiteX13" fmla="*/ 7950502 w 10853928"/>
+              <a:gd name="connsiteY13" fmla="*/ 0 h 18288"/>
+              <a:gd name="connsiteX14" fmla="*/ 8737412 w 10853928"/>
+              <a:gd name="connsiteY14" fmla="*/ 0 h 18288"/>
+              <a:gd name="connsiteX15" fmla="*/ 9524322 w 10853928"/>
+              <a:gd name="connsiteY15" fmla="*/ 0 h 18288"/>
+              <a:gd name="connsiteX16" fmla="*/ 10853928 w 10853928"/>
+              <a:gd name="connsiteY16" fmla="*/ 0 h 18288"/>
+              <a:gd name="connsiteX17" fmla="*/ 10853928 w 10853928"/>
+              <a:gd name="connsiteY17" fmla="*/ 18288 h 18288"/>
+              <a:gd name="connsiteX18" fmla="*/ 10392636 w 10853928"/>
+              <a:gd name="connsiteY18" fmla="*/ 18288 h 18288"/>
+              <a:gd name="connsiteX19" fmla="*/ 9497187 w 10853928"/>
+              <a:gd name="connsiteY19" fmla="*/ 18288 h 18288"/>
+              <a:gd name="connsiteX20" fmla="*/ 8818817 w 10853928"/>
+              <a:gd name="connsiteY20" fmla="*/ 18288 h 18288"/>
+              <a:gd name="connsiteX21" fmla="*/ 8466064 w 10853928"/>
+              <a:gd name="connsiteY21" fmla="*/ 18288 h 18288"/>
+              <a:gd name="connsiteX22" fmla="*/ 7787693 w 10853928"/>
+              <a:gd name="connsiteY22" fmla="*/ 18288 h 18288"/>
+              <a:gd name="connsiteX23" fmla="*/ 7217862 w 10853928"/>
+              <a:gd name="connsiteY23" fmla="*/ 18288 h 18288"/>
+              <a:gd name="connsiteX24" fmla="*/ 6648031 w 10853928"/>
+              <a:gd name="connsiteY24" fmla="*/ 18288 h 18288"/>
+              <a:gd name="connsiteX25" fmla="*/ 6078200 w 10853928"/>
+              <a:gd name="connsiteY25" fmla="*/ 18288 h 18288"/>
+              <a:gd name="connsiteX26" fmla="*/ 5508368 w 10853928"/>
+              <a:gd name="connsiteY26" fmla="*/ 18288 h 18288"/>
+              <a:gd name="connsiteX27" fmla="*/ 4721459 w 10853928"/>
+              <a:gd name="connsiteY27" fmla="*/ 18288 h 18288"/>
+              <a:gd name="connsiteX28" fmla="*/ 4043088 w 10853928"/>
+              <a:gd name="connsiteY28" fmla="*/ 18288 h 18288"/>
+              <a:gd name="connsiteX29" fmla="*/ 3690336 w 10853928"/>
+              <a:gd name="connsiteY29" fmla="*/ 18288 h 18288"/>
+              <a:gd name="connsiteX30" fmla="*/ 3120504 w 10853928"/>
+              <a:gd name="connsiteY30" fmla="*/ 18288 h 18288"/>
+              <a:gd name="connsiteX31" fmla="*/ 2333595 w 10853928"/>
+              <a:gd name="connsiteY31" fmla="*/ 18288 h 18288"/>
+              <a:gd name="connsiteX32" fmla="*/ 1872303 w 10853928"/>
+              <a:gd name="connsiteY32" fmla="*/ 18288 h 18288"/>
+              <a:gd name="connsiteX33" fmla="*/ 976854 w 10853928"/>
+              <a:gd name="connsiteY33" fmla="*/ 18288 h 18288"/>
+              <a:gd name="connsiteX34" fmla="*/ 0 w 10853928"/>
+              <a:gd name="connsiteY34" fmla="*/ 18288 h 18288"/>
+              <a:gd name="connsiteX35" fmla="*/ 0 w 10853928"/>
+              <a:gd name="connsiteY35" fmla="*/ 0 h 18288"/>
+            </a:gdLst>
+            <a:ahLst/>
+            <a:cxnLst>
+              <a:cxn ang="0">
+                <a:pos x="connsiteX0" y="connsiteY0"/>
+              </a:cxn>
+              <a:cxn ang="0">
+                <a:pos x="connsiteX1" y="connsiteY1"/>
+              </a:cxn>
+              <a:cxn ang="0">
+                <a:pos x="connsiteX2" y="connsiteY2"/>
+              </a:cxn>
+              <a:cxn ang="0">
+                <a:pos x="connsiteX3" y="connsiteY3"/>
+              </a:cxn>
+              <a:cxn ang="0">
+                <a:pos x="connsiteX4" y="connsiteY4"/>
+              </a:cxn>
+              <a:cxn ang="0">
+                <a:pos x="connsiteX5" y="connsiteY5"/>
+              </a:cxn>
+              <a:cxn ang="0">
+                <a:pos x="connsiteX6" y="connsiteY6"/>
+              </a:cxn>
+              <a:cxn ang="0">
+                <a:pos x="connsiteX7" y="connsiteY7"/>
+              </a:cxn>
+              <a:cxn ang="0">
+                <a:pos x="connsiteX8" y="connsiteY8"/>
+              </a:cxn>
+              <a:cxn ang="0">
+                <a:pos x="connsiteX9" y="connsiteY9"/>
+              </a:cxn>
+              <a:cxn ang="0">
+                <a:pos x="connsiteX10" y="connsiteY10"/>
+              </a:cxn>
+              <a:cxn ang="0">
+                <a:pos x="connsiteX11" y="connsiteY11"/>
+              </a:cxn>
+              <a:cxn ang="0">
+                <a:pos x="connsiteX12" y="connsiteY12"/>
+              </a:cxn>
+              <a:cxn ang="0">
+                <a:pos x="connsiteX13" y="connsiteY13"/>
+              </a:cxn>
+              <a:cxn ang="0">
+                <a:pos x="connsiteX14" y="connsiteY14"/>
+              </a:cxn>
+              <a:cxn ang="0">
+                <a:pos x="connsiteX15" y="connsiteY15"/>
+              </a:cxn>
+              <a:cxn ang="0">
+                <a:pos x="connsiteX16" y="connsiteY16"/>
+              </a:cxn>
+              <a:cxn ang="0">
+                <a:pos x="connsiteX17" y="connsiteY17"/>
+              </a:cxn>
+              <a:cxn ang="0">
+                <a:pos x="connsiteX18" y="connsiteY18"/>
+              </a:cxn>
+              <a:cxn ang="0">
+                <a:pos x="connsiteX19" y="connsiteY19"/>
+              </a:cxn>
+              <a:cxn ang="0">
+                <a:pos x="connsiteX20" y="connsiteY20"/>
+              </a:cxn>
+              <a:cxn ang="0">
+                <a:pos x="connsiteX21" y="connsiteY21"/>
+              </a:cxn>
+              <a:cxn ang="0">
+                <a:pos x="connsiteX22" y="connsiteY22"/>
+              </a:cxn>
+              <a:cxn ang="0">
+                <a:pos x="connsiteX23" y="connsiteY23"/>
+              </a:cxn>
+              <a:cxn ang="0">
+                <a:pos x="connsiteX24" y="connsiteY24"/>
+              </a:cxn>
+              <a:cxn ang="0">
+                <a:pos x="connsiteX25" y="connsiteY25"/>
+              </a:cxn>
+              <a:cxn ang="0">
+                <a:pos x="connsiteX26" y="connsiteY26"/>
+              </a:cxn>
+              <a:cxn ang="0">
+                <a:pos x="connsiteX27" y="connsiteY27"/>
+              </a:cxn>
+              <a:cxn ang="0">
+                <a:pos x="connsiteX28" y="connsiteY28"/>
+              </a:cxn>
+              <a:cxn ang="0">
+                <a:pos x="connsiteX29" y="connsiteY29"/>
+              </a:cxn>
+              <a:cxn ang="0">
+                <a:pos x="connsiteX30" y="connsiteY30"/>
+              </a:cxn>
+              <a:cxn ang="0">
+                <a:pos x="connsiteX31" y="connsiteY31"/>
+              </a:cxn>
+              <a:cxn ang="0">
+                <a:pos x="connsiteX32" y="connsiteY32"/>
+              </a:cxn>
+              <a:cxn ang="0">
+                <a:pos x="connsiteX33" y="connsiteY33"/>
+              </a:cxn>
+              <a:cxn ang="0">
+                <a:pos x="connsiteX34" y="connsiteY34"/>
+              </a:cxn>
+              <a:cxn ang="0">
+                <a:pos x="connsiteX35" y="connsiteY35"/>
+              </a:cxn>
+            </a:cxnLst>
+            <a:rect l="l" t="t" r="r" b="b"/>
+            <a:pathLst>
+              <a:path w="10853928" h="18288" fill="none" extrusionOk="0">
+                <a:moveTo>
+                  <a:pt x="0" y="0"/>
+                </a:moveTo>
+                <a:cubicBezTo>
+                  <a:pt x="146993" y="-19076"/>
+                  <a:pt x="347684" y="-4790"/>
+                  <a:pt x="461292" y="0"/>
+                </a:cubicBezTo>
+                <a:cubicBezTo>
+                  <a:pt x="574900" y="4790"/>
+                  <a:pt x="808367" y="19821"/>
+                  <a:pt x="1139662" y="0"/>
+                </a:cubicBezTo>
+                <a:cubicBezTo>
+                  <a:pt x="1470957" y="-19821"/>
+                  <a:pt x="1627405" y="5721"/>
+                  <a:pt x="1926572" y="0"/>
+                </a:cubicBezTo>
+                <a:cubicBezTo>
+                  <a:pt x="2225739" y="-5721"/>
+                  <a:pt x="2137730" y="-3235"/>
+                  <a:pt x="2279325" y="0"/>
+                </a:cubicBezTo>
+                <a:cubicBezTo>
+                  <a:pt x="2420920" y="3235"/>
+                  <a:pt x="2456518" y="9685"/>
+                  <a:pt x="2632078" y="0"/>
+                </a:cubicBezTo>
+                <a:cubicBezTo>
+                  <a:pt x="2807638" y="-9685"/>
+                  <a:pt x="3211516" y="-43007"/>
+                  <a:pt x="3527527" y="0"/>
+                </a:cubicBezTo>
+                <a:cubicBezTo>
+                  <a:pt x="3843538" y="43007"/>
+                  <a:pt x="4058833" y="22042"/>
+                  <a:pt x="4205897" y="0"/>
+                </a:cubicBezTo>
+                <a:cubicBezTo>
+                  <a:pt x="4352961" y="-22042"/>
+                  <a:pt x="4474805" y="-11846"/>
+                  <a:pt x="4558650" y="0"/>
+                </a:cubicBezTo>
+                <a:cubicBezTo>
+                  <a:pt x="4642495" y="11846"/>
+                  <a:pt x="5041928" y="-6069"/>
+                  <a:pt x="5237020" y="0"/>
+                </a:cubicBezTo>
+                <a:cubicBezTo>
+                  <a:pt x="5432112" y="6069"/>
+                  <a:pt x="5943266" y="-17479"/>
+                  <a:pt x="6132469" y="0"/>
+                </a:cubicBezTo>
+                <a:cubicBezTo>
+                  <a:pt x="6321672" y="17479"/>
+                  <a:pt x="6483872" y="26234"/>
+                  <a:pt x="6702301" y="0"/>
+                </a:cubicBezTo>
+                <a:cubicBezTo>
+                  <a:pt x="6920730" y="-26234"/>
+                  <a:pt x="6991194" y="-15156"/>
+                  <a:pt x="7272132" y="0"/>
+                </a:cubicBezTo>
+                <a:cubicBezTo>
+                  <a:pt x="7553070" y="15156"/>
+                  <a:pt x="7684444" y="-32961"/>
+                  <a:pt x="7950502" y="0"/>
+                </a:cubicBezTo>
+                <a:cubicBezTo>
+                  <a:pt x="8216560" y="32961"/>
+                  <a:pt x="8493290" y="-10491"/>
+                  <a:pt x="8737412" y="0"/>
+                </a:cubicBezTo>
+                <a:cubicBezTo>
+                  <a:pt x="8981534" y="10491"/>
+                  <a:pt x="9191586" y="-13899"/>
+                  <a:pt x="9524322" y="0"/>
+                </a:cubicBezTo>
+                <a:cubicBezTo>
+                  <a:pt x="9857058" y="13899"/>
+                  <a:pt x="10297509" y="7485"/>
+                  <a:pt x="10853928" y="0"/>
+                </a:cubicBezTo>
+                <a:cubicBezTo>
+                  <a:pt x="10854574" y="4451"/>
+                  <a:pt x="10854418" y="9226"/>
+                  <a:pt x="10853928" y="18288"/>
+                </a:cubicBezTo>
+                <a:cubicBezTo>
+                  <a:pt x="10691638" y="28522"/>
+                  <a:pt x="10574319" y="29578"/>
+                  <a:pt x="10392636" y="18288"/>
+                </a:cubicBezTo>
+                <a:cubicBezTo>
+                  <a:pt x="10210953" y="6998"/>
+                  <a:pt x="9836277" y="-16742"/>
+                  <a:pt x="9497187" y="18288"/>
+                </a:cubicBezTo>
+                <a:cubicBezTo>
+                  <a:pt x="9158097" y="53318"/>
+                  <a:pt x="9119479" y="30714"/>
+                  <a:pt x="8818817" y="18288"/>
+                </a:cubicBezTo>
+                <a:cubicBezTo>
+                  <a:pt x="8518155" y="5863"/>
+                  <a:pt x="8640037" y="6483"/>
+                  <a:pt x="8466064" y="18288"/>
+                </a:cubicBezTo>
+                <a:cubicBezTo>
+                  <a:pt x="8292091" y="30093"/>
+                  <a:pt x="7997656" y="18914"/>
+                  <a:pt x="7787693" y="18288"/>
+                </a:cubicBezTo>
+                <a:cubicBezTo>
+                  <a:pt x="7577730" y="17662"/>
+                  <a:pt x="7412468" y="21416"/>
+                  <a:pt x="7217862" y="18288"/>
+                </a:cubicBezTo>
+                <a:cubicBezTo>
+                  <a:pt x="7023256" y="15160"/>
+                  <a:pt x="6898018" y="14824"/>
+                  <a:pt x="6648031" y="18288"/>
+                </a:cubicBezTo>
+                <a:cubicBezTo>
+                  <a:pt x="6398044" y="21752"/>
+                  <a:pt x="6254402" y="38625"/>
+                  <a:pt x="6078200" y="18288"/>
+                </a:cubicBezTo>
+                <a:cubicBezTo>
+                  <a:pt x="5901998" y="-2049"/>
+                  <a:pt x="5622886" y="3213"/>
+                  <a:pt x="5508368" y="18288"/>
+                </a:cubicBezTo>
+                <a:cubicBezTo>
+                  <a:pt x="5393850" y="33363"/>
+                  <a:pt x="5036260" y="26830"/>
+                  <a:pt x="4721459" y="18288"/>
+                </a:cubicBezTo>
+                <a:cubicBezTo>
+                  <a:pt x="4406658" y="9746"/>
+                  <a:pt x="4239221" y="41551"/>
+                  <a:pt x="4043088" y="18288"/>
+                </a:cubicBezTo>
+                <a:cubicBezTo>
+                  <a:pt x="3846955" y="-4975"/>
+                  <a:pt x="3818802" y="34658"/>
+                  <a:pt x="3690336" y="18288"/>
+                </a:cubicBezTo>
+                <a:cubicBezTo>
+                  <a:pt x="3561870" y="1918"/>
+                  <a:pt x="3265491" y="42194"/>
+                  <a:pt x="3120504" y="18288"/>
+                </a:cubicBezTo>
+                <a:cubicBezTo>
+                  <a:pt x="2975517" y="-5618"/>
+                  <a:pt x="2720254" y="36673"/>
+                  <a:pt x="2333595" y="18288"/>
+                </a:cubicBezTo>
+                <a:cubicBezTo>
+                  <a:pt x="1946936" y="-97"/>
+                  <a:pt x="2097241" y="5776"/>
+                  <a:pt x="1872303" y="18288"/>
+                </a:cubicBezTo>
+                <a:cubicBezTo>
+                  <a:pt x="1647365" y="30800"/>
+                  <a:pt x="1282708" y="45380"/>
+                  <a:pt x="976854" y="18288"/>
+                </a:cubicBezTo>
+                <a:cubicBezTo>
+                  <a:pt x="671000" y="-8804"/>
+                  <a:pt x="408401" y="-12775"/>
+                  <a:pt x="0" y="18288"/>
+                </a:cubicBezTo>
+                <a:cubicBezTo>
+                  <a:pt x="-213" y="9468"/>
+                  <a:pt x="187" y="4459"/>
+                  <a:pt x="0" y="0"/>
+                </a:cubicBezTo>
+                <a:close/>
+              </a:path>
+              <a:path w="10853928" h="18288" stroke="0" extrusionOk="0">
+                <a:moveTo>
+                  <a:pt x="0" y="0"/>
+                </a:moveTo>
+                <a:cubicBezTo>
+                  <a:pt x="267322" y="15284"/>
+                  <a:pt x="415388" y="-21048"/>
+                  <a:pt x="569831" y="0"/>
+                </a:cubicBezTo>
+                <a:cubicBezTo>
+                  <a:pt x="724274" y="21048"/>
+                  <a:pt x="769333" y="-2353"/>
+                  <a:pt x="922584" y="0"/>
+                </a:cubicBezTo>
+                <a:cubicBezTo>
+                  <a:pt x="1075835" y="2353"/>
+                  <a:pt x="1399490" y="-145"/>
+                  <a:pt x="1818033" y="0"/>
+                </a:cubicBezTo>
+                <a:cubicBezTo>
+                  <a:pt x="2236576" y="145"/>
+                  <a:pt x="2145330" y="5482"/>
+                  <a:pt x="2387864" y="0"/>
+                </a:cubicBezTo>
+                <a:cubicBezTo>
+                  <a:pt x="2630398" y="-5482"/>
+                  <a:pt x="2793207" y="18487"/>
+                  <a:pt x="2957695" y="0"/>
+                </a:cubicBezTo>
+                <a:cubicBezTo>
+                  <a:pt x="3122183" y="-18487"/>
+                  <a:pt x="3579141" y="19003"/>
+                  <a:pt x="3853144" y="0"/>
+                </a:cubicBezTo>
+                <a:cubicBezTo>
+                  <a:pt x="4127147" y="-19003"/>
+                  <a:pt x="4209857" y="12211"/>
+                  <a:pt x="4314436" y="0"/>
+                </a:cubicBezTo>
+                <a:cubicBezTo>
+                  <a:pt x="4419015" y="-12211"/>
+                  <a:pt x="4762459" y="-17220"/>
+                  <a:pt x="5209885" y="0"/>
+                </a:cubicBezTo>
+                <a:cubicBezTo>
+                  <a:pt x="5657311" y="17220"/>
+                  <a:pt x="5692663" y="-3290"/>
+                  <a:pt x="6105335" y="0"/>
+                </a:cubicBezTo>
+                <a:cubicBezTo>
+                  <a:pt x="6518007" y="3290"/>
+                  <a:pt x="6455516" y="-5124"/>
+                  <a:pt x="6783705" y="0"/>
+                </a:cubicBezTo>
+                <a:cubicBezTo>
+                  <a:pt x="7111894" y="5124"/>
+                  <a:pt x="7441941" y="-17829"/>
+                  <a:pt x="7679154" y="0"/>
+                </a:cubicBezTo>
+                <a:cubicBezTo>
+                  <a:pt x="7916367" y="17829"/>
+                  <a:pt x="8102967" y="-24363"/>
+                  <a:pt x="8248985" y="0"/>
+                </a:cubicBezTo>
+                <a:cubicBezTo>
+                  <a:pt x="8395003" y="24363"/>
+                  <a:pt x="8552393" y="25505"/>
+                  <a:pt x="8818817" y="0"/>
+                </a:cubicBezTo>
+                <a:cubicBezTo>
+                  <a:pt x="9085241" y="-25505"/>
+                  <a:pt x="9411308" y="38000"/>
+                  <a:pt x="9605726" y="0"/>
+                </a:cubicBezTo>
+                <a:cubicBezTo>
+                  <a:pt x="9800144" y="-38000"/>
+                  <a:pt x="10006468" y="-25741"/>
+                  <a:pt x="10175558" y="0"/>
+                </a:cubicBezTo>
+                <a:cubicBezTo>
+                  <a:pt x="10344648" y="25741"/>
+                  <a:pt x="10696282" y="695"/>
+                  <a:pt x="10853928" y="0"/>
+                </a:cubicBezTo>
+                <a:cubicBezTo>
+                  <a:pt x="10853521" y="8690"/>
+                  <a:pt x="10853774" y="14141"/>
+                  <a:pt x="10853928" y="18288"/>
+                </a:cubicBezTo>
+                <a:cubicBezTo>
+                  <a:pt x="10608124" y="24255"/>
+                  <a:pt x="10343415" y="22307"/>
+                  <a:pt x="10067018" y="18288"/>
+                </a:cubicBezTo>
+                <a:cubicBezTo>
+                  <a:pt x="9790621" y="14270"/>
+                  <a:pt x="9843266" y="3564"/>
+                  <a:pt x="9714266" y="18288"/>
+                </a:cubicBezTo>
+                <a:cubicBezTo>
+                  <a:pt x="9585266" y="33012"/>
+                  <a:pt x="9379484" y="1875"/>
+                  <a:pt x="9252974" y="18288"/>
+                </a:cubicBezTo>
+                <a:cubicBezTo>
+                  <a:pt x="9126464" y="34701"/>
+                  <a:pt x="8580678" y="-4904"/>
+                  <a:pt x="8357525" y="18288"/>
+                </a:cubicBezTo>
+                <a:cubicBezTo>
+                  <a:pt x="8134372" y="41480"/>
+                  <a:pt x="7903199" y="26458"/>
+                  <a:pt x="7679154" y="18288"/>
+                </a:cubicBezTo>
+                <a:cubicBezTo>
+                  <a:pt x="7455109" y="10118"/>
+                  <a:pt x="7435944" y="27109"/>
+                  <a:pt x="7217862" y="18288"/>
+                </a:cubicBezTo>
+                <a:cubicBezTo>
+                  <a:pt x="6999780" y="9467"/>
+                  <a:pt x="6680409" y="18985"/>
+                  <a:pt x="6539492" y="18288"/>
+                </a:cubicBezTo>
+                <a:cubicBezTo>
+                  <a:pt x="6398575" y="17592"/>
+                  <a:pt x="6312077" y="33018"/>
+                  <a:pt x="6186739" y="18288"/>
+                </a:cubicBezTo>
+                <a:cubicBezTo>
+                  <a:pt x="6061401" y="3558"/>
+                  <a:pt x="5947033" y="12075"/>
+                  <a:pt x="5833986" y="18288"/>
+                </a:cubicBezTo>
+                <a:cubicBezTo>
+                  <a:pt x="5720939" y="24501"/>
+                  <a:pt x="5482226" y="8586"/>
+                  <a:pt x="5155616" y="18288"/>
+                </a:cubicBezTo>
+                <a:cubicBezTo>
+                  <a:pt x="4829006" y="27991"/>
+                  <a:pt x="4841274" y="29316"/>
+                  <a:pt x="4694324" y="18288"/>
+                </a:cubicBezTo>
+                <a:cubicBezTo>
+                  <a:pt x="4547374" y="7260"/>
+                  <a:pt x="4077675" y="7013"/>
+                  <a:pt x="3907414" y="18288"/>
+                </a:cubicBezTo>
+                <a:cubicBezTo>
+                  <a:pt x="3737153" y="29564"/>
+                  <a:pt x="3538393" y="21630"/>
+                  <a:pt x="3446122" y="18288"/>
+                </a:cubicBezTo>
+                <a:cubicBezTo>
+                  <a:pt x="3353851" y="14946"/>
+                  <a:pt x="2990320" y="-8091"/>
+                  <a:pt x="2659212" y="18288"/>
+                </a:cubicBezTo>
+                <a:cubicBezTo>
+                  <a:pt x="2328104" y="44667"/>
+                  <a:pt x="2427653" y="9607"/>
+                  <a:pt x="2306460" y="18288"/>
+                </a:cubicBezTo>
+                <a:cubicBezTo>
+                  <a:pt x="2185267" y="26969"/>
+                  <a:pt x="1719763" y="3717"/>
+                  <a:pt x="1519550" y="18288"/>
+                </a:cubicBezTo>
+                <a:cubicBezTo>
+                  <a:pt x="1319337" y="32860"/>
+                  <a:pt x="1167371" y="17040"/>
+                  <a:pt x="1058258" y="18288"/>
+                </a:cubicBezTo>
+                <a:cubicBezTo>
+                  <a:pt x="949145" y="19536"/>
+                  <a:pt x="780234" y="31447"/>
+                  <a:pt x="705505" y="18288"/>
+                </a:cubicBezTo>
+                <a:cubicBezTo>
+                  <a:pt x="630776" y="5129"/>
+                  <a:pt x="215796" y="30056"/>
+                  <a:pt x="0" y="18288"/>
+                </a:cubicBezTo>
+                <a:cubicBezTo>
+                  <a:pt x="-53" y="11301"/>
+                  <a:pt x="-649" y="7756"/>
+                  <a:pt x="0" y="0"/>
+                </a:cubicBezTo>
+                <a:close/>
+              </a:path>
+            </a:pathLst>
+          </a:custGeom>
+          <a:solidFill>
+            <a:schemeClr val="accent2"/>
+          </a:solidFill>
+          <a:ln w="41275" cap="rnd">
+            <a:solidFill>
+              <a:schemeClr val="accent2"/>
+            </a:solidFill>
+            <a:round/>
+            <a:extLst>
+              <a:ext uri="{C807C97D-BFC1-408E-A445-0C87EB9F89A2}">
+                <ask:lineSketchStyleProps xmlns:ask="http://schemas.microsoft.com/office/drawing/2018/sketchyshapes" sd="1219033472">
+                  <a:prstGeom prst="rect">
+                    <a:avLst/>
+                  </a:prstGeom>
+                  <ask:type>
+                    <ask:lineSketchFreehand/>
+                  </ask:type>
+                </ask:lineSketchStyleProps>
+              </a:ext>
+            </a:extLst>
+          </a:ln>
+        </p:spPr>
+        <p:style>
+          <a:lnRef idx="2">
+            <a:schemeClr val="accent1">
+              <a:shade val="50000"/>
+            </a:schemeClr>
+          </a:lnRef>
+          <a:fillRef idx="1">
+            <a:schemeClr val="accent1"/>
+          </a:fillRef>
+          <a:effectRef idx="0">
+            <a:schemeClr val="accent1"/>
+          </a:effectRef>
+          <a:fontRef idx="minor">
+            <a:schemeClr val="lt1"/>
+          </a:fontRef>
+        </p:style>
+        <p:txBody>
+          <a:bodyPr rtlCol="0" anchor="ctr"/>
+          <a:lstStyle/>
+          <a:p>
+            <a:pPr algn="ctr"/>
+            <a:endParaRPr lang="en-US"/>
+          </a:p>
+        </p:txBody>
+      </p:sp>
+      <p:sp>
+        <p:nvSpPr>
+          <p:cNvPr id="3" name="Content Placeholder 2">
+            <a:extLst>
+              <a:ext uri="{FF2B5EF4-FFF2-40B4-BE49-F238E27FC236}">
+                <a16:creationId xmlns:a16="http://schemas.microsoft.com/office/drawing/2014/main" id="{0BC618F2-297F-5AB2-C6B8-A948C882FD95}"/>
+              </a:ext>
+            </a:extLst>
+          </p:cNvPr>
+          <p:cNvSpPr>
+            <a:spLocks noGrp="1"/>
+          </p:cNvSpPr>
+          <p:nvPr>
+            <p:ph idx="1"/>
+          </p:nvPr>
+        </p:nvSpPr>
+        <p:spPr>
+          <a:xfrm>
+            <a:off x="838200" y="1929384"/>
+            <a:ext cx="10515600" cy="4251960"/>
+          </a:xfrm>
+        </p:spPr>
+        <p:txBody>
+          <a:bodyPr>
+            <a:normAutofit lnSpcReduction="10000"/>
+          </a:bodyPr>
+          <a:lstStyle/>
+          <a:p>
+            <a:r>
+              <a:rPr lang="en-US" sz="1700" dirty="0"/>
               <a:t>Rerun </a:t>
             </a:r>
             <a:r>
-              <a:rPr lang="en-US" dirty="0" err="1"/>
+              <a:rPr lang="en-US" sz="1700" dirty="0" err="1"/>
               <a:t>FireFlux_med</a:t>
             </a:r>
             <a:r>
-              <a:rPr lang="en-US" dirty="0"/>
+              <a:rPr lang="en-US" sz="1700" dirty="0"/>
               <a:t> with new sounding</a:t>
             </a:r>
           </a:p>
           <a:p>
             <a:pPr lvl="1"/>
             <a:r>
-              <a:rPr lang="en-US" dirty="0"/>
+              <a:rPr lang="en-US" sz="1700" dirty="0"/>
               <a:t>That is currently being ran</a:t>
             </a:r>
           </a:p>
           <a:p>
             <a:r>
-              <a:rPr lang="en-US" dirty="0"/>
+              <a:rPr lang="en-US" sz="1700" dirty="0"/>
               <a:t>Re-test the </a:t>
             </a:r>
             <a:r>
-              <a:rPr lang="en-US" dirty="0" err="1"/>
+              <a:rPr lang="en-US" sz="1700" dirty="0" err="1"/>
               <a:t>rothermel</a:t>
             </a:r>
             <a:r>
-              <a:rPr lang="en-US" dirty="0"/>
+              <a:rPr lang="en-US" sz="1700" dirty="0"/>
               <a:t> code</a:t>
             </a:r>
           </a:p>
           <a:p>
             <a:pPr lvl="1"/>
             <a:r>
-              <a:rPr lang="en-US" dirty="0"/>
-              <a:t>I believe I added in the adjustment factors correctly, just needs some more testing</a:t>
-            </a:r>
-          </a:p>
-          <a:p>
-            <a:r>
-              <a:rPr lang="en-US" dirty="0"/>
+              <a:rPr lang="en-US" sz="1700" dirty="0"/>
+              <a:t>Re-testing has been done, and results are posted on this slide or on my </a:t>
+            </a:r>
+            <a:r>
+              <a:rPr lang="en-US" sz="1700" dirty="0" err="1"/>
+              <a:t>github</a:t>
+            </a:r>
+            <a:r>
+              <a:rPr lang="en-US" sz="1700" dirty="0"/>
+              <a:t> at: https://</a:t>
+            </a:r>
+            <a:r>
+              <a:rPr lang="en-US" sz="1700" dirty="0" err="1"/>
+              <a:t>github.com</a:t>
+            </a:r>
+            <a:r>
+              <a:rPr lang="en-US" sz="1700" dirty="0"/>
+              <a:t>/Jeremy-</a:t>
+            </a:r>
+            <a:r>
+              <a:rPr lang="en-US" sz="1700" dirty="0" err="1"/>
+              <a:t>Benik</a:t>
+            </a:r>
+            <a:r>
+              <a:rPr lang="en-US" sz="1700" dirty="0"/>
+              <a:t>/</a:t>
+            </a:r>
+            <a:r>
+              <a:rPr lang="en-US" sz="1700" dirty="0" err="1"/>
+              <a:t>Hill_Runs</a:t>
+            </a:r>
+            <a:r>
+              <a:rPr lang="en-US" sz="1700" dirty="0"/>
+              <a:t>/blob/main/</a:t>
+            </a:r>
+            <a:r>
+              <a:rPr lang="en-US" sz="1700" dirty="0" err="1"/>
+              <a:t>ROS_calculations.xlsx</a:t>
+            </a:r>
+            <a:endParaRPr lang="en-US" sz="1700" dirty="0"/>
+          </a:p>
+          <a:p>
+            <a:r>
+              <a:rPr lang="en-US" sz="1700" dirty="0"/>
               <a:t>Write report on pressure sensors</a:t>
             </a:r>
           </a:p>
           <a:p>
             <a:pPr lvl="1"/>
             <a:r>
-              <a:rPr lang="en-US" dirty="0"/>
+              <a:rPr lang="en-US" sz="1700" dirty="0"/>
               <a:t>In progress</a:t>
             </a:r>
           </a:p>
           <a:p>
-            <a:r>
-              <a:rPr lang="en-US" dirty="0"/>
+            <a:pPr lvl="1"/>
+            <a:r>
+              <a:rPr lang="en-US" sz="1700" dirty="0"/>
+              <a:t>File can be found on </a:t>
+            </a:r>
+            <a:r>
+              <a:rPr lang="en-US" sz="1700" dirty="0" err="1"/>
+              <a:t>github</a:t>
+            </a:r>
+            <a:r>
+              <a:rPr lang="en-US" sz="1700"/>
+              <a:t> at: </a:t>
+            </a:r>
+            <a:endParaRPr lang="en-US" sz="1700" dirty="0"/>
+          </a:p>
+          <a:p>
+            <a:r>
+              <a:rPr lang="en-US" sz="1700" dirty="0"/>
               <a:t>Fix </a:t>
             </a:r>
             <a:r>
-              <a:rPr lang="en-US" dirty="0" err="1"/>
+              <a:rPr lang="en-US" sz="1700" dirty="0" err="1"/>
               <a:t>xquartz</a:t>
             </a:r>
-            <a:endParaRPr lang="en-US" dirty="0"/>
+            <a:endParaRPr lang="en-US" sz="1700" dirty="0"/>
           </a:p>
           <a:p>
             <a:pPr lvl="1"/>
             <a:r>
-              <a:rPr lang="en-US" dirty="0"/>
+              <a:rPr lang="en-US" sz="1700" dirty="0"/>
               <a:t>Reset my laptop and that worked</a:t>
             </a:r>
           </a:p>
           <a:p>
             <a:r>
-              <a:rPr lang="en-US" dirty="0"/>
+              <a:rPr lang="en-US" sz="1700" dirty="0"/>
               <a:t>Finish </a:t>
             </a:r>
             <a:r>
-              <a:rPr lang="en-US" dirty="0" err="1"/>
+              <a:rPr lang="en-US" sz="1700" dirty="0" err="1"/>
               <a:t>powerpoint</a:t>
             </a:r>
             <a:r>
-              <a:rPr lang="en-US" dirty="0"/>
+              <a:rPr lang="en-US" sz="1700" dirty="0"/>
               <a:t> for Jan</a:t>
             </a:r>
           </a:p>
           <a:p>
             <a:r>
-              <a:rPr lang="en-US" dirty="0"/>
+              <a:rPr lang="en-US" sz="1700" dirty="0"/>
               <a:t>Write my abstract</a:t>
             </a:r>
           </a:p>
           <a:p>
             <a:r>
-              <a:rPr lang="en-US" dirty="0"/>
+              <a:rPr lang="en-US" sz="1700" dirty="0"/>
               <a:t>SODAR Data</a:t>
             </a:r>
           </a:p>
           <a:p>
             <a:pPr lvl="1"/>
             <a:r>
-              <a:rPr lang="en-US" dirty="0"/>
-              <a:t>Read it in python, now seeing if I need to use it</a:t>
+              <a:rPr lang="en-US" sz="1700" dirty="0"/>
+              <a:t>Read into python and added to original sounding</a:t>
             </a:r>
           </a:p>
         </p:txBody>
@@ -3588,6 +5065,14 @@
 <file path=ppt/slides/slide3.xml><?xml version="1.0" encoding="utf-8"?>
 <p:sld xmlns:a="http://schemas.openxmlformats.org/drawingml/2006/main" xmlns:r="http://schemas.openxmlformats.org/officeDocument/2006/relationships" xmlns:p="http://schemas.openxmlformats.org/presentationml/2006/main">
   <p:cSld>
+    <p:bg>
+      <p:bgPr>
+        <a:solidFill>
+          <a:schemeClr val="bg1"/>
+        </a:solidFill>
+        <a:effectLst/>
+      </p:bgPr>
+    </p:bg>
     <p:spTree>
       <p:nvGrpSpPr>
         <p:cNvPr id="1" name=""/>
@@ -3602,11 +5087,1353 @@
           <a:chExt cx="0" cy="0"/>
         </a:xfrm>
       </p:grpSpPr>
+      <p:sp useBgFill="1">
+        <p:nvSpPr>
+          <p:cNvPr id="9" name="Rectangle 8">
+            <a:extLst>
+              <a:ext uri="{FF2B5EF4-FFF2-40B4-BE49-F238E27FC236}">
+                <a16:creationId xmlns:a16="http://schemas.microsoft.com/office/drawing/2014/main" id="{45D37F4E-DDB4-456B-97E0-9937730A039F}"/>
+              </a:ext>
+              <a:ext uri="{C183D7F6-B498-43B3-948B-1728B52AA6E4}">
+                <adec:decorative xmlns:adec="http://schemas.microsoft.com/office/drawing/2017/decorative" val="1"/>
+              </a:ext>
+            </a:extLst>
+          </p:cNvPr>
+          <p:cNvSpPr>
+            <a:spLocks noGrp="1" noRot="1" noChangeAspect="1" noMove="1" noResize="1" noEditPoints="1" noAdjustHandles="1" noChangeArrowheads="1" noChangeShapeType="1" noTextEdit="1"/>
+          </p:cNvSpPr>
+          <p:nvPr>
+            <p:extLst>
+              <p:ext uri="{386F3935-93C4-4BCD-93E2-E3B085C9AB24}">
+                <p16:designElem xmlns:p16="http://schemas.microsoft.com/office/powerpoint/2015/main" val="1"/>
+              </p:ext>
+            </p:extLst>
+          </p:nvPr>
+        </p:nvSpPr>
+        <p:spPr>
+          <a:xfrm>
+            <a:off x="0" y="0"/>
+            <a:ext cx="12188952" cy="6858000"/>
+          </a:xfrm>
+          <a:prstGeom prst="rect">
+            <a:avLst/>
+          </a:prstGeom>
+          <a:ln>
+            <a:noFill/>
+          </a:ln>
+        </p:spPr>
+        <p:style>
+          <a:lnRef idx="2">
+            <a:schemeClr val="accent1">
+              <a:shade val="50000"/>
+            </a:schemeClr>
+          </a:lnRef>
+          <a:fillRef idx="1">
+            <a:schemeClr val="accent1"/>
+          </a:fillRef>
+          <a:effectRef idx="0">
+            <a:schemeClr val="accent1"/>
+          </a:effectRef>
+          <a:fontRef idx="minor">
+            <a:schemeClr val="lt1"/>
+          </a:fontRef>
+        </p:style>
+        <p:txBody>
+          <a:bodyPr rtlCol="0" anchor="ctr"/>
+          <a:lstStyle/>
+          <a:p>
+            <a:pPr algn="ctr"/>
+            <a:endParaRPr lang="en-US"/>
+          </a:p>
+        </p:txBody>
+      </p:sp>
       <p:sp>
         <p:nvSpPr>
           <p:cNvPr id="2" name="Title 1">
             <a:extLst>
               <a:ext uri="{FF2B5EF4-FFF2-40B4-BE49-F238E27FC236}">
+                <a16:creationId xmlns:a16="http://schemas.microsoft.com/office/drawing/2014/main" id="{397CBC01-53D2-220C-0CC1-124C79A76252}"/>
+              </a:ext>
+            </a:extLst>
+          </p:cNvPr>
+          <p:cNvSpPr>
+            <a:spLocks noGrp="1"/>
+          </p:cNvSpPr>
+          <p:nvPr>
+            <p:ph type="title"/>
+          </p:nvPr>
+        </p:nvSpPr>
+        <p:spPr>
+          <a:xfrm>
+            <a:off x="572493" y="238539"/>
+            <a:ext cx="11018520" cy="1434415"/>
+          </a:xfrm>
+        </p:spPr>
+        <p:txBody>
+          <a:bodyPr anchor="b">
+            <a:normAutofit/>
+          </a:bodyPr>
+          <a:lstStyle/>
+          <a:p>
+            <a:r>
+              <a:rPr lang="en-US" sz="5400"/>
+              <a:t>SODAR Data</a:t>
+            </a:r>
+          </a:p>
+        </p:txBody>
+      </p:sp>
+      <p:sp>
+        <p:nvSpPr>
+          <p:cNvPr id="11" name="sketchy line">
+            <a:extLst>
+              <a:ext uri="{FF2B5EF4-FFF2-40B4-BE49-F238E27FC236}">
+                <a16:creationId xmlns:a16="http://schemas.microsoft.com/office/drawing/2014/main" id="{B2DD41CD-8F47-4F56-AD12-4E2FF7696987}"/>
+              </a:ext>
+              <a:ext uri="{C183D7F6-B498-43B3-948B-1728B52AA6E4}">
+                <adec:decorative xmlns:adec="http://schemas.microsoft.com/office/drawing/2017/decorative" val="1"/>
+              </a:ext>
+            </a:extLst>
+          </p:cNvPr>
+          <p:cNvSpPr>
+            <a:spLocks noGrp="1" noRot="1" noChangeAspect="1" noMove="1" noResize="1" noEditPoints="1" noAdjustHandles="1" noChangeArrowheads="1" noChangeShapeType="1" noTextEdit="1"/>
+          </p:cNvSpPr>
+          <p:nvPr>
+            <p:extLst>
+              <p:ext uri="{386F3935-93C4-4BCD-93E2-E3B085C9AB24}">
+                <p16:designElem xmlns:p16="http://schemas.microsoft.com/office/powerpoint/2015/main" val="1"/>
+              </p:ext>
+            </p:extLst>
+          </p:nvPr>
+        </p:nvSpPr>
+        <p:spPr>
+          <a:xfrm>
+            <a:off x="572493" y="1681544"/>
+            <a:ext cx="10972800" cy="18288"/>
+          </a:xfrm>
+          <a:custGeom>
+            <a:avLst/>
+            <a:gdLst>
+              <a:gd name="connsiteX0" fmla="*/ 0 w 10972800"/>
+              <a:gd name="connsiteY0" fmla="*/ 0 h 18288"/>
+              <a:gd name="connsiteX1" fmla="*/ 356616 w 10972800"/>
+              <a:gd name="connsiteY1" fmla="*/ 0 h 18288"/>
+              <a:gd name="connsiteX2" fmla="*/ 1042416 w 10972800"/>
+              <a:gd name="connsiteY2" fmla="*/ 0 h 18288"/>
+              <a:gd name="connsiteX3" fmla="*/ 1947672 w 10972800"/>
+              <a:gd name="connsiteY3" fmla="*/ 0 h 18288"/>
+              <a:gd name="connsiteX4" fmla="*/ 2633472 w 10972800"/>
+              <a:gd name="connsiteY4" fmla="*/ 0 h 18288"/>
+              <a:gd name="connsiteX5" fmla="*/ 2990088 w 10972800"/>
+              <a:gd name="connsiteY5" fmla="*/ 0 h 18288"/>
+              <a:gd name="connsiteX6" fmla="*/ 3456432 w 10972800"/>
+              <a:gd name="connsiteY6" fmla="*/ 0 h 18288"/>
+              <a:gd name="connsiteX7" fmla="*/ 4361688 w 10972800"/>
+              <a:gd name="connsiteY7" fmla="*/ 0 h 18288"/>
+              <a:gd name="connsiteX8" fmla="*/ 5266944 w 10972800"/>
+              <a:gd name="connsiteY8" fmla="*/ 0 h 18288"/>
+              <a:gd name="connsiteX9" fmla="*/ 6172200 w 10972800"/>
+              <a:gd name="connsiteY9" fmla="*/ 0 h 18288"/>
+              <a:gd name="connsiteX10" fmla="*/ 6528816 w 10972800"/>
+              <a:gd name="connsiteY10" fmla="*/ 0 h 18288"/>
+              <a:gd name="connsiteX11" fmla="*/ 7214616 w 10972800"/>
+              <a:gd name="connsiteY11" fmla="*/ 0 h 18288"/>
+              <a:gd name="connsiteX12" fmla="*/ 7790688 w 10972800"/>
+              <a:gd name="connsiteY12" fmla="*/ 0 h 18288"/>
+              <a:gd name="connsiteX13" fmla="*/ 8147304 w 10972800"/>
+              <a:gd name="connsiteY13" fmla="*/ 0 h 18288"/>
+              <a:gd name="connsiteX14" fmla="*/ 9052560 w 10972800"/>
+              <a:gd name="connsiteY14" fmla="*/ 0 h 18288"/>
+              <a:gd name="connsiteX15" fmla="*/ 9409176 w 10972800"/>
+              <a:gd name="connsiteY15" fmla="*/ 0 h 18288"/>
+              <a:gd name="connsiteX16" fmla="*/ 9765792 w 10972800"/>
+              <a:gd name="connsiteY16" fmla="*/ 0 h 18288"/>
+              <a:gd name="connsiteX17" fmla="*/ 10341864 w 10972800"/>
+              <a:gd name="connsiteY17" fmla="*/ 0 h 18288"/>
+              <a:gd name="connsiteX18" fmla="*/ 10972800 w 10972800"/>
+              <a:gd name="connsiteY18" fmla="*/ 0 h 18288"/>
+              <a:gd name="connsiteX19" fmla="*/ 10972800 w 10972800"/>
+              <a:gd name="connsiteY19" fmla="*/ 18288 h 18288"/>
+              <a:gd name="connsiteX20" fmla="*/ 10177272 w 10972800"/>
+              <a:gd name="connsiteY20" fmla="*/ 18288 h 18288"/>
+              <a:gd name="connsiteX21" fmla="*/ 9820656 w 10972800"/>
+              <a:gd name="connsiteY21" fmla="*/ 18288 h 18288"/>
+              <a:gd name="connsiteX22" fmla="*/ 9464040 w 10972800"/>
+              <a:gd name="connsiteY22" fmla="*/ 18288 h 18288"/>
+              <a:gd name="connsiteX23" fmla="*/ 8778240 w 10972800"/>
+              <a:gd name="connsiteY23" fmla="*/ 18288 h 18288"/>
+              <a:gd name="connsiteX24" fmla="*/ 8421624 w 10972800"/>
+              <a:gd name="connsiteY24" fmla="*/ 18288 h 18288"/>
+              <a:gd name="connsiteX25" fmla="*/ 7735824 w 10972800"/>
+              <a:gd name="connsiteY25" fmla="*/ 18288 h 18288"/>
+              <a:gd name="connsiteX26" fmla="*/ 6940296 w 10972800"/>
+              <a:gd name="connsiteY26" fmla="*/ 18288 h 18288"/>
+              <a:gd name="connsiteX27" fmla="*/ 6254496 w 10972800"/>
+              <a:gd name="connsiteY27" fmla="*/ 18288 h 18288"/>
+              <a:gd name="connsiteX28" fmla="*/ 5458968 w 10972800"/>
+              <a:gd name="connsiteY28" fmla="*/ 18288 h 18288"/>
+              <a:gd name="connsiteX29" fmla="*/ 4663440 w 10972800"/>
+              <a:gd name="connsiteY29" fmla="*/ 18288 h 18288"/>
+              <a:gd name="connsiteX30" fmla="*/ 4306824 w 10972800"/>
+              <a:gd name="connsiteY30" fmla="*/ 18288 h 18288"/>
+              <a:gd name="connsiteX31" fmla="*/ 3840480 w 10972800"/>
+              <a:gd name="connsiteY31" fmla="*/ 18288 h 18288"/>
+              <a:gd name="connsiteX32" fmla="*/ 3264408 w 10972800"/>
+              <a:gd name="connsiteY32" fmla="*/ 18288 h 18288"/>
+              <a:gd name="connsiteX33" fmla="*/ 2578608 w 10972800"/>
+              <a:gd name="connsiteY33" fmla="*/ 18288 h 18288"/>
+              <a:gd name="connsiteX34" fmla="*/ 1673352 w 10972800"/>
+              <a:gd name="connsiteY34" fmla="*/ 18288 h 18288"/>
+              <a:gd name="connsiteX35" fmla="*/ 877824 w 10972800"/>
+              <a:gd name="connsiteY35" fmla="*/ 18288 h 18288"/>
+              <a:gd name="connsiteX36" fmla="*/ 0 w 10972800"/>
+              <a:gd name="connsiteY36" fmla="*/ 18288 h 18288"/>
+              <a:gd name="connsiteX37" fmla="*/ 0 w 10972800"/>
+              <a:gd name="connsiteY37" fmla="*/ 0 h 18288"/>
+            </a:gdLst>
+            <a:ahLst/>
+            <a:cxnLst>
+              <a:cxn ang="0">
+                <a:pos x="connsiteX0" y="connsiteY0"/>
+              </a:cxn>
+              <a:cxn ang="0">
+                <a:pos x="connsiteX1" y="connsiteY1"/>
+              </a:cxn>
+              <a:cxn ang="0">
+                <a:pos x="connsiteX2" y="connsiteY2"/>
+              </a:cxn>
+              <a:cxn ang="0">
+                <a:pos x="connsiteX3" y="connsiteY3"/>
+              </a:cxn>
+              <a:cxn ang="0">
+                <a:pos x="connsiteX4" y="connsiteY4"/>
+              </a:cxn>
+              <a:cxn ang="0">
+                <a:pos x="connsiteX5" y="connsiteY5"/>
+              </a:cxn>
+              <a:cxn ang="0">
+                <a:pos x="connsiteX6" y="connsiteY6"/>
+              </a:cxn>
+              <a:cxn ang="0">
+                <a:pos x="connsiteX7" y="connsiteY7"/>
+              </a:cxn>
+              <a:cxn ang="0">
+                <a:pos x="connsiteX8" y="connsiteY8"/>
+              </a:cxn>
+              <a:cxn ang="0">
+                <a:pos x="connsiteX9" y="connsiteY9"/>
+              </a:cxn>
+              <a:cxn ang="0">
+                <a:pos x="connsiteX10" y="connsiteY10"/>
+              </a:cxn>
+              <a:cxn ang="0">
+                <a:pos x="connsiteX11" y="connsiteY11"/>
+              </a:cxn>
+              <a:cxn ang="0">
+                <a:pos x="connsiteX12" y="connsiteY12"/>
+              </a:cxn>
+              <a:cxn ang="0">
+                <a:pos x="connsiteX13" y="connsiteY13"/>
+              </a:cxn>
+              <a:cxn ang="0">
+                <a:pos x="connsiteX14" y="connsiteY14"/>
+              </a:cxn>
+              <a:cxn ang="0">
+                <a:pos x="connsiteX15" y="connsiteY15"/>
+              </a:cxn>
+              <a:cxn ang="0">
+                <a:pos x="connsiteX16" y="connsiteY16"/>
+              </a:cxn>
+              <a:cxn ang="0">
+                <a:pos x="connsiteX17" y="connsiteY17"/>
+              </a:cxn>
+              <a:cxn ang="0">
+                <a:pos x="connsiteX18" y="connsiteY18"/>
+              </a:cxn>
+              <a:cxn ang="0">
+                <a:pos x="connsiteX19" y="connsiteY19"/>
+              </a:cxn>
+              <a:cxn ang="0">
+                <a:pos x="connsiteX20" y="connsiteY20"/>
+              </a:cxn>
+              <a:cxn ang="0">
+                <a:pos x="connsiteX21" y="connsiteY21"/>
+              </a:cxn>
+              <a:cxn ang="0">
+                <a:pos x="connsiteX22" y="connsiteY22"/>
+              </a:cxn>
+              <a:cxn ang="0">
+                <a:pos x="connsiteX23" y="connsiteY23"/>
+              </a:cxn>
+              <a:cxn ang="0">
+                <a:pos x="connsiteX24" y="connsiteY24"/>
+              </a:cxn>
+              <a:cxn ang="0">
+                <a:pos x="connsiteX25" y="connsiteY25"/>
+              </a:cxn>
+              <a:cxn ang="0">
+                <a:pos x="connsiteX26" y="connsiteY26"/>
+              </a:cxn>
+              <a:cxn ang="0">
+                <a:pos x="connsiteX27" y="connsiteY27"/>
+              </a:cxn>
+              <a:cxn ang="0">
+                <a:pos x="connsiteX28" y="connsiteY28"/>
+              </a:cxn>
+              <a:cxn ang="0">
+                <a:pos x="connsiteX29" y="connsiteY29"/>
+              </a:cxn>
+              <a:cxn ang="0">
+                <a:pos x="connsiteX30" y="connsiteY30"/>
+              </a:cxn>
+              <a:cxn ang="0">
+                <a:pos x="connsiteX31" y="connsiteY31"/>
+              </a:cxn>
+              <a:cxn ang="0">
+                <a:pos x="connsiteX32" y="connsiteY32"/>
+              </a:cxn>
+              <a:cxn ang="0">
+                <a:pos x="connsiteX33" y="connsiteY33"/>
+              </a:cxn>
+              <a:cxn ang="0">
+                <a:pos x="connsiteX34" y="connsiteY34"/>
+              </a:cxn>
+              <a:cxn ang="0">
+                <a:pos x="connsiteX35" y="connsiteY35"/>
+              </a:cxn>
+              <a:cxn ang="0">
+                <a:pos x="connsiteX36" y="connsiteY36"/>
+              </a:cxn>
+              <a:cxn ang="0">
+                <a:pos x="connsiteX37" y="connsiteY37"/>
+              </a:cxn>
+            </a:cxnLst>
+            <a:rect l="l" t="t" r="r" b="b"/>
+            <a:pathLst>
+              <a:path w="10972800" h="18288" fill="none" extrusionOk="0">
+                <a:moveTo>
+                  <a:pt x="0" y="0"/>
+                </a:moveTo>
+                <a:cubicBezTo>
+                  <a:pt x="165916" y="-1866"/>
+                  <a:pt x="188720" y="13756"/>
+                  <a:pt x="356616" y="0"/>
+                </a:cubicBezTo>
+                <a:cubicBezTo>
+                  <a:pt x="524512" y="-13756"/>
+                  <a:pt x="734781" y="8922"/>
+                  <a:pt x="1042416" y="0"/>
+                </a:cubicBezTo>
+                <a:cubicBezTo>
+                  <a:pt x="1350051" y="-8922"/>
+                  <a:pt x="1595982" y="-26315"/>
+                  <a:pt x="1947672" y="0"/>
+                </a:cubicBezTo>
+                <a:cubicBezTo>
+                  <a:pt x="2299362" y="26315"/>
+                  <a:pt x="2292691" y="-19526"/>
+                  <a:pt x="2633472" y="0"/>
+                </a:cubicBezTo>
+                <a:cubicBezTo>
+                  <a:pt x="2974253" y="19526"/>
+                  <a:pt x="2857309" y="10773"/>
+                  <a:pt x="2990088" y="0"/>
+                </a:cubicBezTo>
+                <a:cubicBezTo>
+                  <a:pt x="3122867" y="-10773"/>
+                  <a:pt x="3359343" y="7194"/>
+                  <a:pt x="3456432" y="0"/>
+                </a:cubicBezTo>
+                <a:cubicBezTo>
+                  <a:pt x="3553521" y="-7194"/>
+                  <a:pt x="4136258" y="5108"/>
+                  <a:pt x="4361688" y="0"/>
+                </a:cubicBezTo>
+                <a:cubicBezTo>
+                  <a:pt x="4587118" y="-5108"/>
+                  <a:pt x="4992424" y="-42958"/>
+                  <a:pt x="5266944" y="0"/>
+                </a:cubicBezTo>
+                <a:cubicBezTo>
+                  <a:pt x="5541464" y="42958"/>
+                  <a:pt x="5882966" y="-3430"/>
+                  <a:pt x="6172200" y="0"/>
+                </a:cubicBezTo>
+                <a:cubicBezTo>
+                  <a:pt x="6461434" y="3430"/>
+                  <a:pt x="6432127" y="6688"/>
+                  <a:pt x="6528816" y="0"/>
+                </a:cubicBezTo>
+                <a:cubicBezTo>
+                  <a:pt x="6625505" y="-6688"/>
+                  <a:pt x="6916805" y="-436"/>
+                  <a:pt x="7214616" y="0"/>
+                </a:cubicBezTo>
+                <a:cubicBezTo>
+                  <a:pt x="7512427" y="436"/>
+                  <a:pt x="7626159" y="-6909"/>
+                  <a:pt x="7790688" y="0"/>
+                </a:cubicBezTo>
+                <a:cubicBezTo>
+                  <a:pt x="7955217" y="6909"/>
+                  <a:pt x="8048891" y="15307"/>
+                  <a:pt x="8147304" y="0"/>
+                </a:cubicBezTo>
+                <a:cubicBezTo>
+                  <a:pt x="8245717" y="-15307"/>
+                  <a:pt x="8645618" y="-11734"/>
+                  <a:pt x="9052560" y="0"/>
+                </a:cubicBezTo>
+                <a:cubicBezTo>
+                  <a:pt x="9459502" y="11734"/>
+                  <a:pt x="9320584" y="8388"/>
+                  <a:pt x="9409176" y="0"/>
+                </a:cubicBezTo>
+                <a:cubicBezTo>
+                  <a:pt x="9497768" y="-8388"/>
+                  <a:pt x="9644192" y="8379"/>
+                  <a:pt x="9765792" y="0"/>
+                </a:cubicBezTo>
+                <a:cubicBezTo>
+                  <a:pt x="9887392" y="-8379"/>
+                  <a:pt x="10105220" y="-12663"/>
+                  <a:pt x="10341864" y="0"/>
+                </a:cubicBezTo>
+                <a:cubicBezTo>
+                  <a:pt x="10578508" y="12663"/>
+                  <a:pt x="10773103" y="-5786"/>
+                  <a:pt x="10972800" y="0"/>
+                </a:cubicBezTo>
+                <a:cubicBezTo>
+                  <a:pt x="10972146" y="8818"/>
+                  <a:pt x="10972240" y="13823"/>
+                  <a:pt x="10972800" y="18288"/>
+                </a:cubicBezTo>
+                <a:cubicBezTo>
+                  <a:pt x="10588778" y="31598"/>
+                  <a:pt x="10543381" y="-12698"/>
+                  <a:pt x="10177272" y="18288"/>
+                </a:cubicBezTo>
+                <a:cubicBezTo>
+                  <a:pt x="9811163" y="49274"/>
+                  <a:pt x="9996817" y="25662"/>
+                  <a:pt x="9820656" y="18288"/>
+                </a:cubicBezTo>
+                <a:cubicBezTo>
+                  <a:pt x="9644495" y="10914"/>
+                  <a:pt x="9607007" y="31631"/>
+                  <a:pt x="9464040" y="18288"/>
+                </a:cubicBezTo>
+                <a:cubicBezTo>
+                  <a:pt x="9321073" y="4945"/>
+                  <a:pt x="9114189" y="28940"/>
+                  <a:pt x="8778240" y="18288"/>
+                </a:cubicBezTo>
+                <a:cubicBezTo>
+                  <a:pt x="8442291" y="7636"/>
+                  <a:pt x="8594763" y="987"/>
+                  <a:pt x="8421624" y="18288"/>
+                </a:cubicBezTo>
+                <a:cubicBezTo>
+                  <a:pt x="8248485" y="35589"/>
+                  <a:pt x="7929515" y="37573"/>
+                  <a:pt x="7735824" y="18288"/>
+                </a:cubicBezTo>
+                <a:cubicBezTo>
+                  <a:pt x="7542133" y="-997"/>
+                  <a:pt x="7252504" y="33858"/>
+                  <a:pt x="6940296" y="18288"/>
+                </a:cubicBezTo>
+                <a:cubicBezTo>
+                  <a:pt x="6628088" y="2718"/>
+                  <a:pt x="6528503" y="48389"/>
+                  <a:pt x="6254496" y="18288"/>
+                </a:cubicBezTo>
+                <a:cubicBezTo>
+                  <a:pt x="5980489" y="-11813"/>
+                  <a:pt x="5695784" y="-3740"/>
+                  <a:pt x="5458968" y="18288"/>
+                </a:cubicBezTo>
+                <a:cubicBezTo>
+                  <a:pt x="5222152" y="40316"/>
+                  <a:pt x="5010751" y="19095"/>
+                  <a:pt x="4663440" y="18288"/>
+                </a:cubicBezTo>
+                <a:cubicBezTo>
+                  <a:pt x="4316129" y="17481"/>
+                  <a:pt x="4425552" y="1606"/>
+                  <a:pt x="4306824" y="18288"/>
+                </a:cubicBezTo>
+                <a:cubicBezTo>
+                  <a:pt x="4188096" y="34970"/>
+                  <a:pt x="3941535" y="7481"/>
+                  <a:pt x="3840480" y="18288"/>
+                </a:cubicBezTo>
+                <a:cubicBezTo>
+                  <a:pt x="3739425" y="29095"/>
+                  <a:pt x="3402388" y="17641"/>
+                  <a:pt x="3264408" y="18288"/>
+                </a:cubicBezTo>
+                <a:cubicBezTo>
+                  <a:pt x="3126428" y="18935"/>
+                  <a:pt x="2776779" y="9983"/>
+                  <a:pt x="2578608" y="18288"/>
+                </a:cubicBezTo>
+                <a:cubicBezTo>
+                  <a:pt x="2380437" y="26593"/>
+                  <a:pt x="1909468" y="25818"/>
+                  <a:pt x="1673352" y="18288"/>
+                </a:cubicBezTo>
+                <a:cubicBezTo>
+                  <a:pt x="1437236" y="10758"/>
+                  <a:pt x="1131180" y="49884"/>
+                  <a:pt x="877824" y="18288"/>
+                </a:cubicBezTo>
+                <a:cubicBezTo>
+                  <a:pt x="624468" y="-13308"/>
+                  <a:pt x="206753" y="2195"/>
+                  <a:pt x="0" y="18288"/>
+                </a:cubicBezTo>
+                <a:cubicBezTo>
+                  <a:pt x="313" y="10654"/>
+                  <a:pt x="-263" y="4056"/>
+                  <a:pt x="0" y="0"/>
+                </a:cubicBezTo>
+                <a:close/>
+              </a:path>
+              <a:path w="10972800" h="18288" stroke="0" extrusionOk="0">
+                <a:moveTo>
+                  <a:pt x="0" y="0"/>
+                </a:moveTo>
+                <a:cubicBezTo>
+                  <a:pt x="164017" y="-17675"/>
+                  <a:pt x="309425" y="9913"/>
+                  <a:pt x="466344" y="0"/>
+                </a:cubicBezTo>
+                <a:cubicBezTo>
+                  <a:pt x="623263" y="-9913"/>
+                  <a:pt x="659300" y="-14524"/>
+                  <a:pt x="822960" y="0"/>
+                </a:cubicBezTo>
+                <a:cubicBezTo>
+                  <a:pt x="986620" y="14524"/>
+                  <a:pt x="1105222" y="-16481"/>
+                  <a:pt x="1289304" y="0"/>
+                </a:cubicBezTo>
+                <a:cubicBezTo>
+                  <a:pt x="1473386" y="16481"/>
+                  <a:pt x="1693223" y="26161"/>
+                  <a:pt x="1975104" y="0"/>
+                </a:cubicBezTo>
+                <a:cubicBezTo>
+                  <a:pt x="2256985" y="-26161"/>
+                  <a:pt x="2435781" y="23061"/>
+                  <a:pt x="2770632" y="0"/>
+                </a:cubicBezTo>
+                <a:cubicBezTo>
+                  <a:pt x="3105483" y="-23061"/>
+                  <a:pt x="3247479" y="-44011"/>
+                  <a:pt x="3675888" y="0"/>
+                </a:cubicBezTo>
+                <a:cubicBezTo>
+                  <a:pt x="4104297" y="44011"/>
+                  <a:pt x="4280918" y="4017"/>
+                  <a:pt x="4581144" y="0"/>
+                </a:cubicBezTo>
+                <a:cubicBezTo>
+                  <a:pt x="4881370" y="-4017"/>
+                  <a:pt x="5021699" y="-11889"/>
+                  <a:pt x="5157216" y="0"/>
+                </a:cubicBezTo>
+                <a:cubicBezTo>
+                  <a:pt x="5292733" y="11889"/>
+                  <a:pt x="5603398" y="-17698"/>
+                  <a:pt x="5952744" y="0"/>
+                </a:cubicBezTo>
+                <a:cubicBezTo>
+                  <a:pt x="6302090" y="17698"/>
+                  <a:pt x="6353093" y="-11909"/>
+                  <a:pt x="6638544" y="0"/>
+                </a:cubicBezTo>
+                <a:cubicBezTo>
+                  <a:pt x="6923995" y="11909"/>
+                  <a:pt x="7053404" y="21630"/>
+                  <a:pt x="7214616" y="0"/>
+                </a:cubicBezTo>
+                <a:cubicBezTo>
+                  <a:pt x="7375828" y="-21630"/>
+                  <a:pt x="7837963" y="3886"/>
+                  <a:pt x="8010144" y="0"/>
+                </a:cubicBezTo>
+                <a:cubicBezTo>
+                  <a:pt x="8182325" y="-3886"/>
+                  <a:pt x="8224183" y="16009"/>
+                  <a:pt x="8366760" y="0"/>
+                </a:cubicBezTo>
+                <a:cubicBezTo>
+                  <a:pt x="8509337" y="-16009"/>
+                  <a:pt x="8687920" y="-5720"/>
+                  <a:pt x="8942832" y="0"/>
+                </a:cubicBezTo>
+                <a:cubicBezTo>
+                  <a:pt x="9197744" y="5720"/>
+                  <a:pt x="9368437" y="20479"/>
+                  <a:pt x="9628632" y="0"/>
+                </a:cubicBezTo>
+                <a:cubicBezTo>
+                  <a:pt x="9888827" y="-20479"/>
+                  <a:pt x="10560858" y="-20746"/>
+                  <a:pt x="10972800" y="0"/>
+                </a:cubicBezTo>
+                <a:cubicBezTo>
+                  <a:pt x="10972186" y="5722"/>
+                  <a:pt x="10972980" y="12495"/>
+                  <a:pt x="10972800" y="18288"/>
+                </a:cubicBezTo>
+                <a:cubicBezTo>
+                  <a:pt x="10786146" y="12536"/>
+                  <a:pt x="10623717" y="14033"/>
+                  <a:pt x="10506456" y="18288"/>
+                </a:cubicBezTo>
+                <a:cubicBezTo>
+                  <a:pt x="10389195" y="22543"/>
+                  <a:pt x="10296178" y="20107"/>
+                  <a:pt x="10149840" y="18288"/>
+                </a:cubicBezTo>
+                <a:cubicBezTo>
+                  <a:pt x="10003502" y="16469"/>
+                  <a:pt x="9767530" y="28891"/>
+                  <a:pt x="9464040" y="18288"/>
+                </a:cubicBezTo>
+                <a:cubicBezTo>
+                  <a:pt x="9160550" y="7685"/>
+                  <a:pt x="9229050" y="2659"/>
+                  <a:pt x="8997696" y="18288"/>
+                </a:cubicBezTo>
+                <a:cubicBezTo>
+                  <a:pt x="8766342" y="33917"/>
+                  <a:pt x="8340136" y="34864"/>
+                  <a:pt x="8092440" y="18288"/>
+                </a:cubicBezTo>
+                <a:cubicBezTo>
+                  <a:pt x="7844744" y="1712"/>
+                  <a:pt x="7863720" y="27405"/>
+                  <a:pt x="7735824" y="18288"/>
+                </a:cubicBezTo>
+                <a:cubicBezTo>
+                  <a:pt x="7607928" y="9171"/>
+                  <a:pt x="7323619" y="461"/>
+                  <a:pt x="7050024" y="18288"/>
+                </a:cubicBezTo>
+                <a:cubicBezTo>
+                  <a:pt x="6776429" y="36115"/>
+                  <a:pt x="6787899" y="28206"/>
+                  <a:pt x="6693408" y="18288"/>
+                </a:cubicBezTo>
+                <a:cubicBezTo>
+                  <a:pt x="6598917" y="8370"/>
+                  <a:pt x="6395231" y="19114"/>
+                  <a:pt x="6227064" y="18288"/>
+                </a:cubicBezTo>
+                <a:cubicBezTo>
+                  <a:pt x="6058897" y="17462"/>
+                  <a:pt x="5618582" y="1091"/>
+                  <a:pt x="5431536" y="18288"/>
+                </a:cubicBezTo>
+                <a:cubicBezTo>
+                  <a:pt x="5244490" y="35485"/>
+                  <a:pt x="4729797" y="-9650"/>
+                  <a:pt x="4526280" y="18288"/>
+                </a:cubicBezTo>
+                <a:cubicBezTo>
+                  <a:pt x="4322763" y="46226"/>
+                  <a:pt x="4216797" y="756"/>
+                  <a:pt x="4059936" y="18288"/>
+                </a:cubicBezTo>
+                <a:cubicBezTo>
+                  <a:pt x="3903075" y="35820"/>
+                  <a:pt x="3537912" y="42098"/>
+                  <a:pt x="3374136" y="18288"/>
+                </a:cubicBezTo>
+                <a:cubicBezTo>
+                  <a:pt x="3210360" y="-5522"/>
+                  <a:pt x="3126842" y="39135"/>
+                  <a:pt x="2907792" y="18288"/>
+                </a:cubicBezTo>
+                <a:cubicBezTo>
+                  <a:pt x="2688742" y="-2559"/>
+                  <a:pt x="2490436" y="34100"/>
+                  <a:pt x="2112264" y="18288"/>
+                </a:cubicBezTo>
+                <a:cubicBezTo>
+                  <a:pt x="1734092" y="2476"/>
+                  <a:pt x="1744622" y="-7274"/>
+                  <a:pt x="1536192" y="18288"/>
+                </a:cubicBezTo>
+                <a:cubicBezTo>
+                  <a:pt x="1327762" y="43850"/>
+                  <a:pt x="1189025" y="6435"/>
+                  <a:pt x="1069848" y="18288"/>
+                </a:cubicBezTo>
+                <a:cubicBezTo>
+                  <a:pt x="950671" y="30141"/>
+                  <a:pt x="858345" y="33684"/>
+                  <a:pt x="713232" y="18288"/>
+                </a:cubicBezTo>
+                <a:cubicBezTo>
+                  <a:pt x="568119" y="2892"/>
+                  <a:pt x="250292" y="5410"/>
+                  <a:pt x="0" y="18288"/>
+                </a:cubicBezTo>
+                <a:cubicBezTo>
+                  <a:pt x="465" y="13062"/>
+                  <a:pt x="-894" y="9029"/>
+                  <a:pt x="0" y="0"/>
+                </a:cubicBezTo>
+                <a:close/>
+              </a:path>
+            </a:pathLst>
+          </a:custGeom>
+          <a:solidFill>
+            <a:schemeClr val="accent2">
+              <a:alpha val="75000"/>
+            </a:schemeClr>
+          </a:solidFill>
+          <a:ln w="44450" cap="rnd">
+            <a:solidFill>
+              <a:schemeClr val="accent2">
+                <a:alpha val="75000"/>
+              </a:schemeClr>
+            </a:solidFill>
+            <a:round/>
+            <a:extLst>
+              <a:ext uri="{C807C97D-BFC1-408E-A445-0C87EB9F89A2}">
+                <ask:lineSketchStyleProps xmlns:ask="http://schemas.microsoft.com/office/drawing/2018/sketchyshapes" sd="2727557108">
+                  <a:prstGeom prst="rect">
+                    <a:avLst/>
+                  </a:prstGeom>
+                  <ask:type>
+                    <ask:lineSketchFreehand/>
+                  </ask:type>
+                </ask:lineSketchStyleProps>
+              </a:ext>
+            </a:extLst>
+          </a:ln>
+        </p:spPr>
+        <p:style>
+          <a:lnRef idx="2">
+            <a:schemeClr val="accent1">
+              <a:shade val="50000"/>
+            </a:schemeClr>
+          </a:lnRef>
+          <a:fillRef idx="1">
+            <a:schemeClr val="accent1"/>
+          </a:fillRef>
+          <a:effectRef idx="0">
+            <a:schemeClr val="accent1"/>
+          </a:effectRef>
+          <a:fontRef idx="minor">
+            <a:schemeClr val="lt1"/>
+          </a:fontRef>
+        </p:style>
+        <p:txBody>
+          <a:bodyPr rtlCol="0" anchor="ctr"/>
+          <a:lstStyle/>
+          <a:p>
+            <a:pPr algn="ctr"/>
+            <a:endParaRPr lang="en-US"/>
+          </a:p>
+        </p:txBody>
+      </p:sp>
+      <p:sp>
+        <p:nvSpPr>
+          <p:cNvPr id="3" name="Content Placeholder 2">
+            <a:extLst>
+              <a:ext uri="{FF2B5EF4-FFF2-40B4-BE49-F238E27FC236}">
+                <a16:creationId xmlns:a16="http://schemas.microsoft.com/office/drawing/2014/main" id="{37FEEED5-CDB2-869C-FC73-FC1D890A3677}"/>
+              </a:ext>
+            </a:extLst>
+          </p:cNvPr>
+          <p:cNvSpPr>
+            <a:spLocks noGrp="1"/>
+          </p:cNvSpPr>
+          <p:nvPr>
+            <p:ph idx="1"/>
+          </p:nvPr>
+        </p:nvSpPr>
+        <p:spPr>
+          <a:xfrm>
+            <a:off x="572493" y="2071316"/>
+            <a:ext cx="6713552" cy="4119172"/>
+          </a:xfrm>
+        </p:spPr>
+        <p:txBody>
+          <a:bodyPr anchor="t">
+            <a:normAutofit/>
+          </a:bodyPr>
+          <a:lstStyle/>
+          <a:p>
+            <a:r>
+              <a:rPr lang="en-US" sz="2200" dirty="0"/>
+              <a:t>Since the SODAR data only has data from 30m - 280m (there are nan values after 280m), those are the heights I added into the sounding</a:t>
+            </a:r>
+          </a:p>
+          <a:p>
+            <a:r>
+              <a:rPr lang="en-US" sz="2200" dirty="0"/>
+              <a:t>The sounding only goes up until 20m, then increases to 259.9m which is a large jump without any wind data</a:t>
+            </a:r>
+          </a:p>
+          <a:p>
+            <a:r>
+              <a:rPr lang="en-US" sz="2200" dirty="0"/>
+              <a:t>Now I must find the potential temperature and the water vapor mixing ratio for all those heights before it can be implemented into the sounding</a:t>
+            </a:r>
+          </a:p>
+          <a:p>
+            <a:r>
+              <a:rPr lang="en-US" sz="2200" dirty="0"/>
+              <a:t>One issue is the data has a lot of nan values, meaning I may need to pick a time other than 15:00 so there aren’t as many nan values</a:t>
+            </a:r>
+          </a:p>
+        </p:txBody>
+      </p:sp>
+      <p:pic>
+        <p:nvPicPr>
+          <p:cNvPr id="4" name="Picture 3">
+            <a:extLst>
+              <a:ext uri="{FF2B5EF4-FFF2-40B4-BE49-F238E27FC236}">
+                <a16:creationId xmlns:a16="http://schemas.microsoft.com/office/drawing/2014/main" id="{039FB92B-2F68-6D0F-9A59-DFBC91F6EF38}"/>
+              </a:ext>
+            </a:extLst>
+          </p:cNvPr>
+          <p:cNvPicPr>
+            <a:picLocks noChangeAspect="1"/>
+          </p:cNvPicPr>
+          <p:nvPr/>
+        </p:nvPicPr>
+        <p:blipFill rotWithShape="1">
+          <a:blip r:embed="rId2"/>
+          <a:srcRect r="44" b="-3"/>
+          <a:stretch/>
+        </p:blipFill>
+        <p:spPr>
+          <a:xfrm>
+            <a:off x="7675658" y="2093976"/>
+            <a:ext cx="3941064" cy="4096512"/>
+          </a:xfrm>
+          <a:prstGeom prst="rect">
+            <a:avLst/>
+          </a:prstGeom>
+        </p:spPr>
+      </p:pic>
+    </p:spTree>
+    <p:extLst>
+      <p:ext uri="{BB962C8B-B14F-4D97-AF65-F5344CB8AC3E}">
+        <p14:creationId xmlns:p14="http://schemas.microsoft.com/office/powerpoint/2010/main" val="3962756070"/>
+      </p:ext>
+    </p:extLst>
+  </p:cSld>
+  <p:clrMapOvr>
+    <a:masterClrMapping/>
+  </p:clrMapOvr>
+</p:sld>
+</file>
+
+<file path=ppt/slides/slide4.xml><?xml version="1.0" encoding="utf-8"?>
+<p:sld xmlns:a="http://schemas.openxmlformats.org/drawingml/2006/main" xmlns:r="http://schemas.openxmlformats.org/officeDocument/2006/relationships" xmlns:p="http://schemas.openxmlformats.org/presentationml/2006/main">
+  <p:cSld>
+    <p:bg>
+      <p:bgPr>
+        <a:solidFill>
+          <a:schemeClr val="bg1"/>
+        </a:solidFill>
+        <a:effectLst/>
+      </p:bgPr>
+    </p:bg>
+    <p:spTree>
+      <p:nvGrpSpPr>
+        <p:cNvPr id="1" name=""/>
+        <p:cNvGrpSpPr/>
+        <p:nvPr/>
+      </p:nvGrpSpPr>
+      <p:grpSpPr>
+        <a:xfrm>
+          <a:off x="0" y="0"/>
+          <a:ext cx="0" cy="0"/>
+          <a:chOff x="0" y="0"/>
+          <a:chExt cx="0" cy="0"/>
+        </a:xfrm>
+      </p:grpSpPr>
+      <p:sp useBgFill="1">
+        <p:nvSpPr>
+          <p:cNvPr id="19" name="Rectangle 18">
+            <a:extLst>
+              <a:ext uri="{FF2B5EF4-FFF2-40B4-BE49-F238E27FC236}">
+                <a16:creationId xmlns:a16="http://schemas.microsoft.com/office/drawing/2014/main" id="{96646FC9-C66D-4EC7-8310-0DD4ACC49C6C}"/>
+              </a:ext>
+              <a:ext uri="{C183D7F6-B498-43B3-948B-1728B52AA6E4}">
+                <adec:decorative xmlns:adec="http://schemas.microsoft.com/office/drawing/2017/decorative" val="1"/>
+              </a:ext>
+            </a:extLst>
+          </p:cNvPr>
+          <p:cNvSpPr>
+            <a:spLocks noGrp="1" noRot="1" noChangeAspect="1" noMove="1" noResize="1" noEditPoints="1" noAdjustHandles="1" noChangeArrowheads="1" noChangeShapeType="1" noTextEdit="1"/>
+          </p:cNvSpPr>
+          <p:nvPr>
+            <p:extLst>
+              <p:ext uri="{386F3935-93C4-4BCD-93E2-E3B085C9AB24}">
+                <p16:designElem xmlns:p16="http://schemas.microsoft.com/office/powerpoint/2015/main" val="1"/>
+              </p:ext>
+            </p:extLst>
+          </p:nvPr>
+        </p:nvSpPr>
+        <p:spPr>
+          <a:xfrm>
+            <a:off x="0" y="0"/>
+            <a:ext cx="12192000" cy="6858000"/>
+          </a:xfrm>
+          <a:prstGeom prst="rect">
+            <a:avLst/>
+          </a:prstGeom>
+          <a:ln>
+            <a:noFill/>
+          </a:ln>
+        </p:spPr>
+        <p:style>
+          <a:lnRef idx="2">
+            <a:schemeClr val="accent1">
+              <a:shade val="50000"/>
+            </a:schemeClr>
+          </a:lnRef>
+          <a:fillRef idx="1">
+            <a:schemeClr val="accent1"/>
+          </a:fillRef>
+          <a:effectRef idx="0">
+            <a:schemeClr val="accent1"/>
+          </a:effectRef>
+          <a:fontRef idx="minor">
+            <a:schemeClr val="lt1"/>
+          </a:fontRef>
+        </p:style>
+        <p:txBody>
+          <a:bodyPr rtlCol="0" anchor="ctr"/>
+          <a:lstStyle/>
+          <a:p>
+            <a:pPr algn="ctr"/>
+            <a:endParaRPr lang="en-US"/>
+          </a:p>
+        </p:txBody>
+      </p:sp>
+      <p:sp useBgFill="1">
+        <p:nvSpPr>
+          <p:cNvPr id="21" name="Rectangle 20">
+            <a:extLst>
+              <a:ext uri="{FF2B5EF4-FFF2-40B4-BE49-F238E27FC236}">
+                <a16:creationId xmlns:a16="http://schemas.microsoft.com/office/drawing/2014/main" id="{A3473CF9-37EB-43E7-89EF-D2D1C53D1DAC}"/>
+              </a:ext>
+              <a:ext uri="{C183D7F6-B498-43B3-948B-1728B52AA6E4}">
+                <adec:decorative xmlns:adec="http://schemas.microsoft.com/office/drawing/2017/decorative" val="1"/>
+              </a:ext>
+            </a:extLst>
+          </p:cNvPr>
+          <p:cNvSpPr>
+            <a:spLocks noGrp="1" noRot="1" noChangeAspect="1" noMove="1" noResize="1" noEditPoints="1" noAdjustHandles="1" noChangeArrowheads="1" noChangeShapeType="1" noTextEdit="1"/>
+          </p:cNvSpPr>
+          <p:nvPr>
+            <p:extLst>
+              <p:ext uri="{386F3935-93C4-4BCD-93E2-E3B085C9AB24}">
+                <p16:designElem xmlns:p16="http://schemas.microsoft.com/office/powerpoint/2015/main" val="1"/>
+              </p:ext>
+            </p:extLst>
+          </p:nvPr>
+        </p:nvSpPr>
+        <p:spPr>
+          <a:xfrm>
+            <a:off x="1903615" y="221673"/>
+            <a:ext cx="8384770" cy="1332634"/>
+          </a:xfrm>
+          <a:prstGeom prst="rect">
+            <a:avLst/>
+          </a:prstGeom>
+          <a:ln w="12700">
+            <a:solidFill>
+              <a:srgbClr val="DEDEDE"/>
+            </a:solidFill>
+          </a:ln>
+          <a:effectLst>
+            <a:outerShdw blurRad="50800" dist="38100" dir="2700000" algn="tl" rotWithShape="0">
+              <a:schemeClr val="bg2">
+                <a:lumMod val="85000"/>
+                <a:alpha val="30000"/>
+              </a:schemeClr>
+            </a:outerShdw>
+          </a:effectLst>
+        </p:spPr>
+        <p:style>
+          <a:lnRef idx="2">
+            <a:schemeClr val="accent1">
+              <a:shade val="50000"/>
+            </a:schemeClr>
+          </a:lnRef>
+          <a:fillRef idx="1">
+            <a:schemeClr val="accent1"/>
+          </a:fillRef>
+          <a:effectRef idx="0">
+            <a:schemeClr val="accent1"/>
+          </a:effectRef>
+          <a:fontRef idx="minor">
+            <a:schemeClr val="lt1"/>
+          </a:fontRef>
+        </p:style>
+        <p:txBody>
+          <a:bodyPr rtlCol="0" anchor="ctr"/>
+          <a:lstStyle/>
+          <a:p>
+            <a:pPr marL="0" marR="0" lvl="0" indent="0" algn="ctr" defTabSz="914400" rtl="0" eaLnBrk="1" fontAlgn="auto" latinLnBrk="0" hangingPunct="1">
+              <a:lnSpc>
+                <a:spcPct val="100000"/>
+              </a:lnSpc>
+              <a:spcBef>
+                <a:spcPts val="0"/>
+              </a:spcBef>
+              <a:spcAft>
+                <a:spcPts val="0"/>
+              </a:spcAft>
+              <a:buClrTx/>
+              <a:buSzTx/>
+              <a:buFontTx/>
+              <a:buNone/>
+              <a:tabLst/>
+              <a:defRPr/>
+            </a:pPr>
+            <a:endParaRPr kumimoji="0" lang="en-US" sz="1800" b="0" i="0" u="none" strike="noStrike" kern="1200" cap="none" spc="0" normalizeH="0" baseline="0" noProof="0">
+              <a:ln>
+                <a:noFill/>
+              </a:ln>
+              <a:solidFill>
+                <a:prstClr val="white"/>
+              </a:solidFill>
+              <a:effectLst/>
+              <a:uLnTx/>
+              <a:uFillTx/>
+              <a:latin typeface="Calibri" panose="020F0502020204030204"/>
+              <a:ea typeface="+mn-ea"/>
+              <a:cs typeface="+mn-cs"/>
+            </a:endParaRPr>
+          </a:p>
+        </p:txBody>
+      </p:sp>
+      <p:sp>
+        <p:nvSpPr>
+          <p:cNvPr id="2" name="Title 1">
+            <a:extLst>
+              <a:ext uri="{FF2B5EF4-FFF2-40B4-BE49-F238E27FC236}">
+                <a16:creationId xmlns:a16="http://schemas.microsoft.com/office/drawing/2014/main" id="{97C7BCA0-AEBA-AF45-244C-39871CFD013B}"/>
+              </a:ext>
+            </a:extLst>
+          </p:cNvPr>
+          <p:cNvSpPr>
+            <a:spLocks noGrp="1"/>
+          </p:cNvSpPr>
+          <p:nvPr>
+            <p:ph type="title"/>
+          </p:nvPr>
+        </p:nvSpPr>
+        <p:spPr>
+          <a:xfrm>
+            <a:off x="2103121" y="310343"/>
+            <a:ext cx="7985759" cy="868823"/>
+          </a:xfrm>
+        </p:spPr>
+        <p:txBody>
+          <a:bodyPr vert="horz" lIns="91440" tIns="45720" rIns="91440" bIns="45720" rtlCol="0" anchor="ctr">
+            <a:normAutofit/>
+          </a:bodyPr>
+          <a:lstStyle/>
+          <a:p>
+            <a:pPr algn="ctr"/>
+            <a:r>
+              <a:rPr lang="en-US" sz="4000"/>
+              <a:t>SODAR Data</a:t>
+            </a:r>
+          </a:p>
+        </p:txBody>
+      </p:sp>
+      <p:sp>
+        <p:nvSpPr>
+          <p:cNvPr id="23" name="Rectangle: Rounded Corners 22">
+            <a:extLst>
+              <a:ext uri="{FF2B5EF4-FFF2-40B4-BE49-F238E27FC236}">
+                <a16:creationId xmlns:a16="http://schemas.microsoft.com/office/drawing/2014/main" id="{586B4EF9-43BA-4655-A6FF-1D8E21574C95}"/>
+              </a:ext>
+              <a:ext uri="{C183D7F6-B498-43B3-948B-1728B52AA6E4}">
+                <adec:decorative xmlns:adec="http://schemas.microsoft.com/office/drawing/2017/decorative" val="1"/>
+              </a:ext>
+            </a:extLst>
+          </p:cNvPr>
+          <p:cNvSpPr>
+            <a:spLocks noGrp="1" noRot="1" noChangeAspect="1" noMove="1" noResize="1" noEditPoints="1" noAdjustHandles="1" noChangeArrowheads="1" noChangeShapeType="1" noTextEdit="1"/>
+          </p:cNvSpPr>
+          <p:nvPr>
+            <p:extLst>
+              <p:ext uri="{386F3935-93C4-4BCD-93E2-E3B085C9AB24}">
+                <p16:designElem xmlns:p16="http://schemas.microsoft.com/office/powerpoint/2015/main" val="1"/>
+              </p:ext>
+            </p:extLst>
+          </p:nvPr>
+        </p:nvSpPr>
+        <p:spPr>
+          <a:xfrm>
+            <a:off x="2483110" y="1211407"/>
+            <a:ext cx="7225780" cy="685800"/>
+          </a:xfrm>
+          <a:prstGeom prst="roundRect">
+            <a:avLst>
+              <a:gd name="adj" fmla="val 0"/>
+            </a:avLst>
+          </a:prstGeom>
+          <a:solidFill>
+            <a:schemeClr val="accent2"/>
+          </a:solidFill>
+          <a:ln>
+            <a:noFill/>
+          </a:ln>
+        </p:spPr>
+        <p:style>
+          <a:lnRef idx="2">
+            <a:schemeClr val="accent1">
+              <a:shade val="50000"/>
+            </a:schemeClr>
+          </a:lnRef>
+          <a:fillRef idx="1">
+            <a:schemeClr val="accent1"/>
+          </a:fillRef>
+          <a:effectRef idx="0">
+            <a:schemeClr val="accent1"/>
+          </a:effectRef>
+          <a:fontRef idx="minor">
+            <a:schemeClr val="lt1"/>
+          </a:fontRef>
+        </p:style>
+        <p:txBody>
+          <a:bodyPr rtlCol="0" anchor="ctr"/>
+          <a:lstStyle/>
+          <a:p>
+            <a:pPr algn="ctr"/>
+            <a:endParaRPr lang="en-US">
+              <a:solidFill>
+                <a:prstClr val="white"/>
+              </a:solidFill>
+              <a:latin typeface="Avenir Next LT Pro"/>
+            </a:endParaRPr>
+          </a:p>
+        </p:txBody>
+      </p:sp>
+      <p:sp>
+        <p:nvSpPr>
+          <p:cNvPr id="3" name="Content Placeholder 2">
+            <a:extLst>
+              <a:ext uri="{FF2B5EF4-FFF2-40B4-BE49-F238E27FC236}">
+                <a16:creationId xmlns:a16="http://schemas.microsoft.com/office/drawing/2014/main" id="{4271B678-648B-5839-2FD2-17F4A60C6B3D}"/>
+              </a:ext>
+            </a:extLst>
+          </p:cNvPr>
+          <p:cNvSpPr>
+            <a:spLocks noGrp="1"/>
+          </p:cNvSpPr>
+          <p:nvPr>
+            <p:ph idx="1"/>
+          </p:nvPr>
+        </p:nvSpPr>
+        <p:spPr>
+          <a:xfrm>
+            <a:off x="2615738" y="1263807"/>
+            <a:ext cx="6960524" cy="598516"/>
+          </a:xfrm>
+        </p:spPr>
+        <p:txBody>
+          <a:bodyPr vert="horz" lIns="91440" tIns="45720" rIns="91440" bIns="45720" rtlCol="0" anchor="ctr">
+            <a:normAutofit/>
+          </a:bodyPr>
+          <a:lstStyle/>
+          <a:p>
+            <a:pPr marL="0" indent="0" algn="ctr">
+              <a:buNone/>
+            </a:pPr>
+            <a:r>
+              <a:rPr lang="en-US" sz="1700">
+                <a:solidFill>
+                  <a:schemeClr val="bg1"/>
+                </a:solidFill>
+              </a:rPr>
+              <a:t>I added in the data from Jan 30, 15:00 to the original input_sounding to see how it would affect it</a:t>
+            </a:r>
+          </a:p>
+        </p:txBody>
+      </p:sp>
+      <p:pic>
+        <p:nvPicPr>
+          <p:cNvPr id="4" name="Picture 3" descr="Chart, line chart&#10;&#10;Description automatically generated">
+            <a:extLst>
+              <a:ext uri="{FF2B5EF4-FFF2-40B4-BE49-F238E27FC236}">
+                <a16:creationId xmlns:a16="http://schemas.microsoft.com/office/drawing/2014/main" id="{0D11BFF2-3008-429E-C56E-BDF9F291B26C}"/>
+              </a:ext>
+            </a:extLst>
+          </p:cNvPr>
+          <p:cNvPicPr>
+            <a:picLocks noChangeAspect="1"/>
+          </p:cNvPicPr>
+          <p:nvPr/>
+        </p:nvPicPr>
+        <p:blipFill>
+          <a:blip r:embed="rId2"/>
+          <a:stretch>
+            <a:fillRect/>
+          </a:stretch>
+        </p:blipFill>
+        <p:spPr>
+          <a:xfrm>
+            <a:off x="1478463" y="2139484"/>
+            <a:ext cx="3410346" cy="4096512"/>
+          </a:xfrm>
+          <a:prstGeom prst="rect">
+            <a:avLst/>
+          </a:prstGeom>
+        </p:spPr>
+      </p:pic>
+      <p:pic>
+        <p:nvPicPr>
+          <p:cNvPr id="5" name="Picture 4" descr="Chart, line chart&#10;&#10;Description automatically generated">
+            <a:extLst>
+              <a:ext uri="{FF2B5EF4-FFF2-40B4-BE49-F238E27FC236}">
+                <a16:creationId xmlns:a16="http://schemas.microsoft.com/office/drawing/2014/main" id="{E41FCE15-D5B1-3338-E13D-89BCAD4648C6}"/>
+              </a:ext>
+            </a:extLst>
+          </p:cNvPr>
+          <p:cNvPicPr>
+            <a:picLocks noChangeAspect="1"/>
+          </p:cNvPicPr>
+          <p:nvPr/>
+        </p:nvPicPr>
+        <p:blipFill>
+          <a:blip r:embed="rId3"/>
+          <a:stretch>
+            <a:fillRect/>
+          </a:stretch>
+        </p:blipFill>
+        <p:spPr>
+          <a:xfrm>
+            <a:off x="7298073" y="2139484"/>
+            <a:ext cx="3420586" cy="4096512"/>
+          </a:xfrm>
+          <a:prstGeom prst="rect">
+            <a:avLst/>
+          </a:prstGeom>
+        </p:spPr>
+      </p:pic>
+    </p:spTree>
+    <p:extLst>
+      <p:ext uri="{BB962C8B-B14F-4D97-AF65-F5344CB8AC3E}">
+        <p14:creationId xmlns:p14="http://schemas.microsoft.com/office/powerpoint/2010/main" val="3818212289"/>
+      </p:ext>
+    </p:extLst>
+  </p:cSld>
+  <p:clrMapOvr>
+    <a:masterClrMapping/>
+  </p:clrMapOvr>
+</p:sld>
+</file>
+
+<file path=ppt/slides/slide5.xml><?xml version="1.0" encoding="utf-8"?>
+<p:sld xmlns:a="http://schemas.openxmlformats.org/drawingml/2006/main" xmlns:r="http://schemas.openxmlformats.org/officeDocument/2006/relationships" xmlns:p="http://schemas.openxmlformats.org/presentationml/2006/main">
+  <p:cSld>
+    <p:bg>
+      <p:bgPr>
+        <a:solidFill>
+          <a:schemeClr val="bg1"/>
+        </a:solidFill>
+        <a:effectLst/>
+      </p:bgPr>
+    </p:bg>
+    <p:spTree>
+      <p:nvGrpSpPr>
+        <p:cNvPr id="1" name=""/>
+        <p:cNvGrpSpPr/>
+        <p:nvPr/>
+      </p:nvGrpSpPr>
+      <p:grpSpPr>
+        <a:xfrm>
+          <a:off x="0" y="0"/>
+          <a:ext cx="0" cy="0"/>
+          <a:chOff x="0" y="0"/>
+          <a:chExt cx="0" cy="0"/>
+        </a:xfrm>
+      </p:grpSpPr>
+      <p:sp useBgFill="1">
+        <p:nvSpPr>
+          <p:cNvPr id="23" name="Rectangle 18">
+            <a:extLst>
+              <a:ext uri="{FF2B5EF4-FFF2-40B4-BE49-F238E27FC236}">
+                <a16:creationId xmlns:a16="http://schemas.microsoft.com/office/drawing/2014/main" id="{32AEEBC8-9D30-42EF-95F2-386C2653FBF0}"/>
+              </a:ext>
+              <a:ext uri="{C183D7F6-B498-43B3-948B-1728B52AA6E4}">
+                <adec:decorative xmlns:adec="http://schemas.microsoft.com/office/drawing/2017/decorative" val="1"/>
+              </a:ext>
+            </a:extLst>
+          </p:cNvPr>
+          <p:cNvSpPr>
+            <a:spLocks noGrp="1" noRot="1" noChangeAspect="1" noMove="1" noResize="1" noEditPoints="1" noAdjustHandles="1" noChangeArrowheads="1" noChangeShapeType="1" noTextEdit="1"/>
+          </p:cNvSpPr>
+          <p:nvPr>
+            <p:extLst>
+              <p:ext uri="{386F3935-93C4-4BCD-93E2-E3B085C9AB24}">
+                <p16:designElem xmlns:p16="http://schemas.microsoft.com/office/powerpoint/2015/main" val="1"/>
+              </p:ext>
+            </p:extLst>
+          </p:nvPr>
+        </p:nvSpPr>
+        <p:spPr>
+          <a:xfrm>
+            <a:off x="0" y="0"/>
+            <a:ext cx="12192000" cy="6858000"/>
+          </a:xfrm>
+          <a:prstGeom prst="rect">
+            <a:avLst/>
+          </a:prstGeom>
+          <a:ln>
+            <a:noFill/>
+          </a:ln>
+        </p:spPr>
+        <p:style>
+          <a:lnRef idx="2">
+            <a:schemeClr val="accent1">
+              <a:shade val="50000"/>
+            </a:schemeClr>
+          </a:lnRef>
+          <a:fillRef idx="1">
+            <a:schemeClr val="accent1"/>
+          </a:fillRef>
+          <a:effectRef idx="0">
+            <a:schemeClr val="accent1"/>
+          </a:effectRef>
+          <a:fontRef idx="minor">
+            <a:schemeClr val="lt1"/>
+          </a:fontRef>
+        </p:style>
+        <p:txBody>
+          <a:bodyPr rtlCol="0" anchor="ctr"/>
+          <a:lstStyle/>
+          <a:p>
+            <a:pPr algn="ctr"/>
+            <a:endParaRPr lang="en-US"/>
+          </a:p>
+        </p:txBody>
+      </p:sp>
+      <p:sp>
+        <p:nvSpPr>
+          <p:cNvPr id="2" name="Title 1">
+            <a:extLst>
+              <a:ext uri="{FF2B5EF4-FFF2-40B4-BE49-F238E27FC236}">
                 <a16:creationId xmlns:a16="http://schemas.microsoft.com/office/drawing/2014/main" id="{A4B3CAAD-A9BF-DA5D-93E4-D18D177B87D7}"/>
               </a:ext>
             </a:extLst>
@@ -3618,19 +6445,245 @@
             <p:ph type="title"/>
           </p:nvPr>
         </p:nvSpPr>
-        <p:spPr/>
-        <p:txBody>
-          <a:bodyPr/>
+        <p:spPr>
+          <a:xfrm>
+            <a:off x="630936" y="502920"/>
+            <a:ext cx="3419856" cy="1463040"/>
+          </a:xfrm>
+        </p:spPr>
+        <p:txBody>
+          <a:bodyPr anchor="ctr">
+            <a:normAutofit/>
+          </a:bodyPr>
           <a:lstStyle/>
           <a:p>
             <a:r>
-              <a:rPr lang="en-US" dirty="0" err="1"/>
-              <a:t>Rothermel</a:t>
-            </a:r>
-            <a:r>
-              <a:rPr lang="en-US" dirty="0"/>
-              <a:t> Code	</a:t>
-            </a:r>
+              <a:rPr lang="en-US" sz="4800"/>
+              <a:t>Rothermel Code	</a:t>
+            </a:r>
+          </a:p>
+        </p:txBody>
+      </p:sp>
+      <p:sp>
+        <p:nvSpPr>
+          <p:cNvPr id="24" name="sketch line">
+            <a:extLst>
+              <a:ext uri="{FF2B5EF4-FFF2-40B4-BE49-F238E27FC236}">
+                <a16:creationId xmlns:a16="http://schemas.microsoft.com/office/drawing/2014/main" id="{2E92FA66-67D7-4CB4-94D3-E643A9AD4757}"/>
+              </a:ext>
+              <a:ext uri="{C183D7F6-B498-43B3-948B-1728B52AA6E4}">
+                <adec:decorative xmlns:adec="http://schemas.microsoft.com/office/drawing/2017/decorative" val="1"/>
+              </a:ext>
+            </a:extLst>
+          </p:cNvPr>
+          <p:cNvSpPr>
+            <a:spLocks noGrp="1" noRot="1" noChangeAspect="1" noMove="1" noResize="1" noEditPoints="1" noAdjustHandles="1" noChangeArrowheads="1" noChangeShapeType="1" noTextEdit="1"/>
+          </p:cNvSpPr>
+          <p:nvPr>
+            <p:extLst>
+              <p:ext uri="{386F3935-93C4-4BCD-93E2-E3B085C9AB24}">
+                <p16:designElem xmlns:p16="http://schemas.microsoft.com/office/powerpoint/2015/main" val="1"/>
+              </p:ext>
+            </p:extLst>
+          </p:nvPr>
+        </p:nvSpPr>
+        <p:spPr>
+          <a:xfrm rot="5400000">
+            <a:off x="3566159" y="1225296"/>
+            <a:ext cx="1554480" cy="18288"/>
+          </a:xfrm>
+          <a:custGeom>
+            <a:avLst/>
+            <a:gdLst>
+              <a:gd name="connsiteX0" fmla="*/ 0 w 1554480"/>
+              <a:gd name="connsiteY0" fmla="*/ 0 h 18288"/>
+              <a:gd name="connsiteX1" fmla="*/ 549250 w 1554480"/>
+              <a:gd name="connsiteY1" fmla="*/ 0 h 18288"/>
+              <a:gd name="connsiteX2" fmla="*/ 1082954 w 1554480"/>
+              <a:gd name="connsiteY2" fmla="*/ 0 h 18288"/>
+              <a:gd name="connsiteX3" fmla="*/ 1554480 w 1554480"/>
+              <a:gd name="connsiteY3" fmla="*/ 0 h 18288"/>
+              <a:gd name="connsiteX4" fmla="*/ 1554480 w 1554480"/>
+              <a:gd name="connsiteY4" fmla="*/ 18288 h 18288"/>
+              <a:gd name="connsiteX5" fmla="*/ 1067410 w 1554480"/>
+              <a:gd name="connsiteY5" fmla="*/ 18288 h 18288"/>
+              <a:gd name="connsiteX6" fmla="*/ 549250 w 1554480"/>
+              <a:gd name="connsiteY6" fmla="*/ 18288 h 18288"/>
+              <a:gd name="connsiteX7" fmla="*/ 0 w 1554480"/>
+              <a:gd name="connsiteY7" fmla="*/ 18288 h 18288"/>
+              <a:gd name="connsiteX8" fmla="*/ 0 w 1554480"/>
+              <a:gd name="connsiteY8" fmla="*/ 0 h 18288"/>
+            </a:gdLst>
+            <a:ahLst/>
+            <a:cxnLst>
+              <a:cxn ang="0">
+                <a:pos x="connsiteX0" y="connsiteY0"/>
+              </a:cxn>
+              <a:cxn ang="0">
+                <a:pos x="connsiteX1" y="connsiteY1"/>
+              </a:cxn>
+              <a:cxn ang="0">
+                <a:pos x="connsiteX2" y="connsiteY2"/>
+              </a:cxn>
+              <a:cxn ang="0">
+                <a:pos x="connsiteX3" y="connsiteY3"/>
+              </a:cxn>
+              <a:cxn ang="0">
+                <a:pos x="connsiteX4" y="connsiteY4"/>
+              </a:cxn>
+              <a:cxn ang="0">
+                <a:pos x="connsiteX5" y="connsiteY5"/>
+              </a:cxn>
+              <a:cxn ang="0">
+                <a:pos x="connsiteX6" y="connsiteY6"/>
+              </a:cxn>
+              <a:cxn ang="0">
+                <a:pos x="connsiteX7" y="connsiteY7"/>
+              </a:cxn>
+              <a:cxn ang="0">
+                <a:pos x="connsiteX8" y="connsiteY8"/>
+              </a:cxn>
+            </a:cxnLst>
+            <a:rect l="l" t="t" r="r" b="b"/>
+            <a:pathLst>
+              <a:path w="1554480" h="18288" fill="none" extrusionOk="0">
+                <a:moveTo>
+                  <a:pt x="0" y="0"/>
+                </a:moveTo>
+                <a:cubicBezTo>
+                  <a:pt x="114141" y="-19864"/>
+                  <a:pt x="345055" y="-1657"/>
+                  <a:pt x="549250" y="0"/>
+                </a:cubicBezTo>
+                <a:cubicBezTo>
+                  <a:pt x="753445" y="1657"/>
+                  <a:pt x="862292" y="-5674"/>
+                  <a:pt x="1082954" y="0"/>
+                </a:cubicBezTo>
+                <a:cubicBezTo>
+                  <a:pt x="1303616" y="5674"/>
+                  <a:pt x="1363530" y="4537"/>
+                  <a:pt x="1554480" y="0"/>
+                </a:cubicBezTo>
+                <a:cubicBezTo>
+                  <a:pt x="1554963" y="7176"/>
+                  <a:pt x="1553909" y="13682"/>
+                  <a:pt x="1554480" y="18288"/>
+                </a:cubicBezTo>
+                <a:cubicBezTo>
+                  <a:pt x="1338847" y="6127"/>
+                  <a:pt x="1215066" y="37851"/>
+                  <a:pt x="1067410" y="18288"/>
+                </a:cubicBezTo>
+                <a:cubicBezTo>
+                  <a:pt x="919754" y="-1275"/>
+                  <a:pt x="800465" y="3080"/>
+                  <a:pt x="549250" y="18288"/>
+                </a:cubicBezTo>
+                <a:cubicBezTo>
+                  <a:pt x="298035" y="33496"/>
+                  <a:pt x="158868" y="22769"/>
+                  <a:pt x="0" y="18288"/>
+                </a:cubicBezTo>
+                <a:cubicBezTo>
+                  <a:pt x="-655" y="13237"/>
+                  <a:pt x="709" y="4645"/>
+                  <a:pt x="0" y="0"/>
+                </a:cubicBezTo>
+                <a:close/>
+              </a:path>
+              <a:path w="1554480" h="18288" stroke="0" extrusionOk="0">
+                <a:moveTo>
+                  <a:pt x="0" y="0"/>
+                </a:moveTo>
+                <a:cubicBezTo>
+                  <a:pt x="249941" y="-58"/>
+                  <a:pt x="367334" y="23448"/>
+                  <a:pt x="502615" y="0"/>
+                </a:cubicBezTo>
+                <a:cubicBezTo>
+                  <a:pt x="637897" y="-23448"/>
+                  <a:pt x="813653" y="-20418"/>
+                  <a:pt x="974141" y="0"/>
+                </a:cubicBezTo>
+                <a:cubicBezTo>
+                  <a:pt x="1134629" y="20418"/>
+                  <a:pt x="1268772" y="6288"/>
+                  <a:pt x="1554480" y="0"/>
+                </a:cubicBezTo>
+                <a:cubicBezTo>
+                  <a:pt x="1554917" y="7222"/>
+                  <a:pt x="1555359" y="13299"/>
+                  <a:pt x="1554480" y="18288"/>
+                </a:cubicBezTo>
+                <a:cubicBezTo>
+                  <a:pt x="1336087" y="12172"/>
+                  <a:pt x="1310024" y="19759"/>
+                  <a:pt x="1067410" y="18288"/>
+                </a:cubicBezTo>
+                <a:cubicBezTo>
+                  <a:pt x="824796" y="16818"/>
+                  <a:pt x="787902" y="34647"/>
+                  <a:pt x="518160" y="18288"/>
+                </a:cubicBezTo>
+                <a:cubicBezTo>
+                  <a:pt x="248418" y="1930"/>
+                  <a:pt x="133160" y="9205"/>
+                  <a:pt x="0" y="18288"/>
+                </a:cubicBezTo>
+                <a:cubicBezTo>
+                  <a:pt x="-643" y="9451"/>
+                  <a:pt x="-340" y="7114"/>
+                  <a:pt x="0" y="0"/>
+                </a:cubicBezTo>
+                <a:close/>
+              </a:path>
+            </a:pathLst>
+          </a:custGeom>
+          <a:solidFill>
+            <a:schemeClr val="accent2"/>
+          </a:solidFill>
+          <a:ln w="41275" cap="rnd">
+            <a:solidFill>
+              <a:schemeClr val="accent2"/>
+            </a:solidFill>
+            <a:round/>
+            <a:extLst>
+              <a:ext uri="{C807C97D-BFC1-408E-A445-0C87EB9F89A2}">
+                <ask:lineSketchStyleProps xmlns:ask="http://schemas.microsoft.com/office/drawing/2018/sketchyshapes" sd="1219033472">
+                  <a:prstGeom prst="rect">
+                    <a:avLst/>
+                  </a:prstGeom>
+                  <ask:type>
+                    <ask:lineSketchFreehand/>
+                  </ask:type>
+                </ask:lineSketchStyleProps>
+              </a:ext>
+            </a:extLst>
+          </a:ln>
+        </p:spPr>
+        <p:style>
+          <a:lnRef idx="2">
+            <a:schemeClr val="accent1">
+              <a:shade val="50000"/>
+            </a:schemeClr>
+          </a:lnRef>
+          <a:fillRef idx="1">
+            <a:schemeClr val="accent1"/>
+          </a:fillRef>
+          <a:effectRef idx="0">
+            <a:schemeClr val="accent1"/>
+          </a:effectRef>
+          <a:fontRef idx="minor">
+            <a:schemeClr val="lt1"/>
+          </a:fontRef>
+        </p:style>
+        <p:txBody>
+          <a:bodyPr rtlCol="0" anchor="ctr"/>
+          <a:lstStyle/>
+          <a:p>
+            <a:pPr algn="ctr"/>
+            <a:endParaRPr lang="en-US"/>
           </a:p>
         </p:txBody>
       </p:sp>
@@ -3650,47 +6703,84 @@
             <p:ph idx="1"/>
           </p:nvPr>
         </p:nvSpPr>
-        <p:spPr/>
-        <p:txBody>
-          <a:bodyPr/>
+        <p:spPr>
+          <a:xfrm>
+            <a:off x="4654295" y="502920"/>
+            <a:ext cx="6894576" cy="1463040"/>
+          </a:xfrm>
+        </p:spPr>
+        <p:txBody>
+          <a:bodyPr anchor="ctr">
+            <a:normAutofit/>
+          </a:bodyPr>
           <a:lstStyle/>
           <a:p>
             <a:r>
-              <a:rPr lang="en-US" dirty="0"/>
+              <a:rPr lang="en-US" sz="1700" dirty="0"/>
               <a:t>After modifying the code to take in the adjustment factors as inputs, and adding them to the code, there is a much greater difference among the rate of spread</a:t>
             </a:r>
           </a:p>
           <a:p>
             <a:r>
-              <a:rPr lang="en-US" dirty="0"/>
+              <a:rPr lang="en-US" sz="1700" dirty="0"/>
               <a:t>Now adjustment factors will better change the variables in the code</a:t>
             </a:r>
           </a:p>
           <a:p>
             <a:pPr lvl="1"/>
             <a:r>
-              <a:rPr lang="en-US" dirty="0" err="1"/>
+              <a:rPr lang="en-US" sz="1700" dirty="0" err="1"/>
               <a:t>I.e</a:t>
             </a:r>
             <a:r>
-              <a:rPr lang="en-US" dirty="0"/>
+              <a:rPr lang="en-US" sz="1700" dirty="0"/>
               <a:t> 0.5 </a:t>
             </a:r>
             <a:r>
-              <a:rPr lang="en-US" dirty="0" err="1"/>
+              <a:rPr lang="en-US" sz="1700" dirty="0" err="1"/>
               <a:t>adjw</a:t>
             </a:r>
             <a:r>
-              <a:rPr lang="en-US" dirty="0"/>
+              <a:rPr lang="en-US" sz="1700" dirty="0"/>
               <a:t> will cut the wind speeds in half</a:t>
             </a:r>
           </a:p>
           <a:p>
             <a:pPr lvl="1"/>
-            <a:endParaRPr lang="en-US" dirty="0"/>
-          </a:p>
-        </p:txBody>
-      </p:sp>
+            <a:endParaRPr lang="en-US" sz="1700" dirty="0"/>
+          </a:p>
+        </p:txBody>
+      </p:sp>
+      <p:pic>
+        <p:nvPicPr>
+          <p:cNvPr id="4" name="Picture 3">
+            <a:extLst>
+              <a:ext uri="{FF2B5EF4-FFF2-40B4-BE49-F238E27FC236}">
+                <a16:creationId xmlns:a16="http://schemas.microsoft.com/office/drawing/2014/main" id="{04613FF5-B875-6F8B-B5B8-3EB1DEB01B94}"/>
+              </a:ext>
+            </a:extLst>
+          </p:cNvPr>
+          <p:cNvPicPr>
+            <a:picLocks noChangeAspect="1"/>
+          </p:cNvPicPr>
+          <p:nvPr/>
+        </p:nvPicPr>
+        <p:blipFill>
+          <a:blip r:embed="rId2"/>
+          <a:stretch>
+            <a:fillRect/>
+          </a:stretch>
+        </p:blipFill>
+        <p:spPr>
+          <a:xfrm>
+            <a:off x="1616060" y="2290936"/>
+            <a:ext cx="8947687" cy="3959352"/>
+          </a:xfrm>
+          <a:prstGeom prst="rect">
+            <a:avLst/>
+          </a:prstGeom>
+        </p:spPr>
+      </p:pic>
     </p:spTree>
     <p:extLst>
       <p:ext uri="{BB962C8B-B14F-4D97-AF65-F5344CB8AC3E}">

--- a/08192022_Presentation.pptx
+++ b/08192022_Presentation.pptx
@@ -12,8 +12,7 @@
     <p:sldId id="259" r:id="rId6"/>
     <p:sldId id="263" r:id="rId7"/>
     <p:sldId id="264" r:id="rId8"/>
-    <p:sldId id="265" r:id="rId9"/>
-    <p:sldId id="262" r:id="rId10"/>
+    <p:sldId id="262" r:id="rId9"/>
   </p:sldIdLst>
   <p:sldSz cx="12192000" cy="6858000"/>
   <p:notesSz cx="6858000" cy="9144000"/>
@@ -394,7 +393,7 @@
           <a:p>
             <a:fld id="{B7D555DA-B0AA-FF4A-8DB7-56EDA8C2FDB8}" type="datetimeFigureOut">
               <a:rPr lang="en-US" smtClean="0"/>
-              <a:t>8/18/22</a:t>
+              <a:t>8/19/22</a:t>
             </a:fld>
             <a:endParaRPr lang="en-US"/>
           </a:p>
@@ -808,7 +807,7 @@
           <a:p>
             <a:fld id="{B7D555DA-B0AA-FF4A-8DB7-56EDA8C2FDB8}" type="datetimeFigureOut">
               <a:rPr lang="en-US" smtClean="0"/>
-              <a:t>8/18/22</a:t>
+              <a:t>8/19/22</a:t>
             </a:fld>
             <a:endParaRPr lang="en-US"/>
           </a:p>
@@ -1144,7 +1143,7 @@
           <a:p>
             <a:fld id="{B7D555DA-B0AA-FF4A-8DB7-56EDA8C2FDB8}" type="datetimeFigureOut">
               <a:rPr lang="en-US" smtClean="0"/>
-              <a:t>8/18/22</a:t>
+              <a:t>8/19/22</a:t>
             </a:fld>
             <a:endParaRPr lang="en-US"/>
           </a:p>
@@ -1549,7 +1548,7 @@
           <a:p>
             <a:fld id="{B7D555DA-B0AA-FF4A-8DB7-56EDA8C2FDB8}" type="datetimeFigureOut">
               <a:rPr lang="en-US" smtClean="0"/>
-              <a:t>8/18/22</a:t>
+              <a:t>8/19/22</a:t>
             </a:fld>
             <a:endParaRPr lang="en-US"/>
           </a:p>
@@ -2117,7 +2116,7 @@
           <a:p>
             <a:fld id="{B7D555DA-B0AA-FF4A-8DB7-56EDA8C2FDB8}" type="datetimeFigureOut">
               <a:rPr lang="en-US" smtClean="0"/>
-              <a:t>8/18/22</a:t>
+              <a:t>8/19/22</a:t>
             </a:fld>
             <a:endParaRPr lang="en-US"/>
           </a:p>
@@ -2798,7 +2797,7 @@
           <a:p>
             <a:fld id="{B7D555DA-B0AA-FF4A-8DB7-56EDA8C2FDB8}" type="datetimeFigureOut">
               <a:rPr lang="en-US" smtClean="0"/>
-              <a:t>8/18/22</a:t>
+              <a:t>8/19/22</a:t>
             </a:fld>
             <a:endParaRPr lang="en-US"/>
           </a:p>
@@ -3711,7 +3710,7 @@
           <a:p>
             <a:fld id="{B7D555DA-B0AA-FF4A-8DB7-56EDA8C2FDB8}" type="datetimeFigureOut">
               <a:rPr lang="en-US" smtClean="0"/>
-              <a:t>8/18/22</a:t>
+              <a:t>8/19/22</a:t>
             </a:fld>
             <a:endParaRPr lang="en-US"/>
           </a:p>
@@ -4024,7 +4023,7 @@
           <a:p>
             <a:fld id="{B7D555DA-B0AA-FF4A-8DB7-56EDA8C2FDB8}" type="datetimeFigureOut">
               <a:rPr lang="en-US" smtClean="0"/>
-              <a:t>8/18/22</a:t>
+              <a:t>8/19/22</a:t>
             </a:fld>
             <a:endParaRPr lang="en-US"/>
           </a:p>
@@ -4288,7 +4287,7 @@
           <a:p>
             <a:fld id="{B7D555DA-B0AA-FF4A-8DB7-56EDA8C2FDB8}" type="datetimeFigureOut">
               <a:rPr lang="en-US" smtClean="0"/>
-              <a:t>8/18/22</a:t>
+              <a:t>8/19/22</a:t>
             </a:fld>
             <a:endParaRPr lang="en-US"/>
           </a:p>
@@ -4611,7 +4610,7 @@
           <a:p>
             <a:fld id="{B7D555DA-B0AA-FF4A-8DB7-56EDA8C2FDB8}" type="datetimeFigureOut">
               <a:rPr lang="en-US" smtClean="0"/>
-              <a:t>8/18/22</a:t>
+              <a:t>8/19/22</a:t>
             </a:fld>
             <a:endParaRPr lang="en-US"/>
           </a:p>
@@ -5000,7 +4999,7 @@
           <a:p>
             <a:fld id="{B7D555DA-B0AA-FF4A-8DB7-56EDA8C2FDB8}" type="datetimeFigureOut">
               <a:rPr lang="en-US" smtClean="0"/>
-              <a:t>8/18/22</a:t>
+              <a:t>8/19/22</a:t>
             </a:fld>
             <a:endParaRPr lang="en-US"/>
           </a:p>
@@ -5376,7 +5375,7 @@
           <a:p>
             <a:fld id="{B7D555DA-B0AA-FF4A-8DB7-56EDA8C2FDB8}" type="datetimeFigureOut">
               <a:rPr lang="en-US" smtClean="0"/>
-              <a:t>8/18/22</a:t>
+              <a:t>8/19/22</a:t>
             </a:fld>
             <a:endParaRPr lang="en-US"/>
           </a:p>
@@ -5882,7 +5881,7 @@
           <a:p>
             <a:fld id="{B7D555DA-B0AA-FF4A-8DB7-56EDA8C2FDB8}" type="datetimeFigureOut">
               <a:rPr lang="en-US" smtClean="0"/>
-              <a:t>8/18/22</a:t>
+              <a:t>8/19/22</a:t>
             </a:fld>
             <a:endParaRPr lang="en-US"/>
           </a:p>
@@ -6139,7 +6138,7 @@
           <a:p>
             <a:fld id="{B7D555DA-B0AA-FF4A-8DB7-56EDA8C2FDB8}" type="datetimeFigureOut">
               <a:rPr lang="en-US" smtClean="0"/>
-              <a:t>8/18/22</a:t>
+              <a:t>8/19/22</a:t>
             </a:fld>
             <a:endParaRPr lang="en-US"/>
           </a:p>
@@ -6302,7 +6301,7 @@
           <a:p>
             <a:fld id="{B7D555DA-B0AA-FF4A-8DB7-56EDA8C2FDB8}" type="datetimeFigureOut">
               <a:rPr lang="en-US" smtClean="0"/>
-              <a:t>8/18/22</a:t>
+              <a:t>8/19/22</a:t>
             </a:fld>
             <a:endParaRPr lang="en-US"/>
           </a:p>
@@ -6692,7 +6691,7 @@
           <a:p>
             <a:fld id="{B7D555DA-B0AA-FF4A-8DB7-56EDA8C2FDB8}" type="datetimeFigureOut">
               <a:rPr lang="en-US" smtClean="0"/>
-              <a:t>8/18/22</a:t>
+              <a:t>8/19/22</a:t>
             </a:fld>
             <a:endParaRPr lang="en-US"/>
           </a:p>
@@ -7101,7 +7100,7 @@
           <a:p>
             <a:fld id="{B7D555DA-B0AA-FF4A-8DB7-56EDA8C2FDB8}" type="datetimeFigureOut">
               <a:rPr lang="en-US" smtClean="0"/>
-              <a:t>8/18/22</a:t>
+              <a:t>8/19/22</a:t>
             </a:fld>
             <a:endParaRPr lang="en-US"/>
           </a:p>
@@ -7345,7 +7344,7 @@
           <a:p>
             <a:fld id="{B7D555DA-B0AA-FF4A-8DB7-56EDA8C2FDB8}" type="datetimeFigureOut">
               <a:rPr lang="en-US" smtClean="0"/>
-              <a:t>8/18/22</a:t>
+              <a:t>8/19/22</a:t>
             </a:fld>
             <a:endParaRPr lang="en-US"/>
           </a:p>
@@ -8558,9 +8557,36 @@
   <p:cSld>
     <p:bg>
       <p:bgPr>
-        <a:solidFill>
-          <a:schemeClr val="bg1"/>
-        </a:solidFill>
+        <a:gradFill rotWithShape="1">
+          <a:gsLst>
+            <a:gs pos="0">
+              <a:schemeClr val="bg2">
+                <a:tint val="96000"/>
+                <a:shade val="100000"/>
+                <a:hueMod val="270000"/>
+                <a:satMod val="200000"/>
+                <a:lumMod val="128000"/>
+              </a:schemeClr>
+            </a:gs>
+            <a:gs pos="50000">
+              <a:schemeClr val="bg2">
+                <a:shade val="100000"/>
+                <a:hueMod val="100000"/>
+                <a:satMod val="110000"/>
+                <a:lumMod val="130000"/>
+              </a:schemeClr>
+            </a:gs>
+            <a:gs pos="100000">
+              <a:schemeClr val="bg2">
+                <a:shade val="78000"/>
+                <a:hueMod val="44000"/>
+                <a:satMod val="200000"/>
+                <a:lumMod val="69000"/>
+              </a:schemeClr>
+            </a:gs>
+          </a:gsLst>
+          <a:lin ang="2520000" scaled="0"/>
+        </a:gradFill>
         <a:effectLst/>
       </p:bgPr>
     </p:bg>
@@ -8596,18 +8622,18 @@
         </p:nvSpPr>
         <p:spPr>
           <a:xfrm>
-            <a:off x="630936" y="502920"/>
-            <a:ext cx="3419856" cy="1463040"/>
-          </a:xfrm>
-        </p:spPr>
-        <p:txBody>
-          <a:bodyPr anchor="ctr">
+            <a:off x="680321" y="753228"/>
+            <a:ext cx="9613861" cy="1080938"/>
+          </a:xfrm>
+        </p:spPr>
+        <p:txBody>
+          <a:bodyPr>
             <a:normAutofit/>
           </a:bodyPr>
           <a:lstStyle/>
           <a:p>
             <a:r>
-              <a:rPr lang="en-US" sz="4800"/>
+              <a:rPr lang="en-US"/>
               <a:t>Rothermel Code	</a:t>
             </a:r>
           </a:p>
@@ -8631,54 +8657,54 @@
         </p:nvSpPr>
         <p:spPr>
           <a:xfrm>
-            <a:off x="3654438" y="802022"/>
-            <a:ext cx="6894576" cy="1463040"/>
-          </a:xfrm>
-        </p:spPr>
-        <p:txBody>
-          <a:bodyPr anchor="ctr">
+            <a:off x="680322" y="2336873"/>
+            <a:ext cx="3489341" cy="3599316"/>
+          </a:xfrm>
+        </p:spPr>
+        <p:txBody>
+          <a:bodyPr>
             <a:normAutofit/>
           </a:bodyPr>
           <a:lstStyle/>
           <a:p>
             <a:r>
-              <a:rPr lang="en-US" sz="1400" dirty="0"/>
+              <a:rPr lang="en-US" sz="1800" dirty="0"/>
               <a:t>After modifying the code to take in the adjustment factors as inputs, and adding them to the code, there is a much greater difference among the rate of spread</a:t>
             </a:r>
           </a:p>
           <a:p>
             <a:r>
-              <a:rPr lang="en-US" sz="1400" dirty="0"/>
+              <a:rPr lang="en-US" sz="1800" dirty="0"/>
               <a:t>Now adjustment factors will better change the variables in the code</a:t>
             </a:r>
           </a:p>
           <a:p>
             <a:pPr lvl="1"/>
             <a:r>
-              <a:rPr lang="en-US" sz="1400" dirty="0"/>
+              <a:rPr lang="en-US" sz="1800" dirty="0"/>
               <a:t>I.e. 0.5 </a:t>
             </a:r>
             <a:r>
-              <a:rPr lang="en-US" sz="1400" dirty="0" err="1"/>
+              <a:rPr lang="en-US" sz="1800" dirty="0" err="1"/>
               <a:t>adjw</a:t>
             </a:r>
             <a:r>
-              <a:rPr lang="en-US" sz="1400" dirty="0"/>
+              <a:rPr lang="en-US" sz="1800" dirty="0"/>
               <a:t> will cut the wind speeds in half</a:t>
             </a:r>
           </a:p>
           <a:p>
             <a:pPr lvl="1"/>
-            <a:endParaRPr lang="en-US" sz="1400" dirty="0"/>
+            <a:endParaRPr lang="en-US" sz="1800" dirty="0"/>
           </a:p>
         </p:txBody>
       </p:sp>
       <p:pic>
         <p:nvPicPr>
-          <p:cNvPr id="5" name="Picture 4">
+          <p:cNvPr id="7" name="Picture 6">
             <a:extLst>
               <a:ext uri="{FF2B5EF4-FFF2-40B4-BE49-F238E27FC236}">
-                <a16:creationId xmlns:a16="http://schemas.microsoft.com/office/drawing/2014/main" id="{53D3CE82-056E-1BF5-54AF-94D8D0DEB0A4}"/>
+                <a16:creationId xmlns:a16="http://schemas.microsoft.com/office/drawing/2014/main" id="{C7F3E701-0F99-6F2D-EA1B-1E6442F38979}"/>
               </a:ext>
             </a:extLst>
           </p:cNvPr>
@@ -8695,14 +8721,56 @@
         </p:blipFill>
         <p:spPr>
           <a:xfrm>
-            <a:off x="1060992" y="2011680"/>
-            <a:ext cx="10070015" cy="4858873"/>
+            <a:off x="4253486" y="3018079"/>
+            <a:ext cx="7537705" cy="2236903"/>
           </a:xfrm>
           <a:prstGeom prst="rect">
             <a:avLst/>
           </a:prstGeom>
+          <a:ln>
+            <a:noFill/>
+          </a:ln>
+          <a:effectLst>
+            <a:outerShdw blurRad="76200" dist="63500" dir="5040000" algn="tl" rotWithShape="0">
+              <a:srgbClr val="000000">
+                <a:alpha val="41000"/>
+              </a:srgbClr>
+            </a:outerShdw>
+          </a:effectLst>
         </p:spPr>
       </p:pic>
+      <p:sp>
+        <p:nvSpPr>
+          <p:cNvPr id="6" name="TextBox 5">
+            <a:extLst>
+              <a:ext uri="{FF2B5EF4-FFF2-40B4-BE49-F238E27FC236}">
+                <a16:creationId xmlns:a16="http://schemas.microsoft.com/office/drawing/2014/main" id="{69CBCE39-E9F4-96EF-E378-D29FBF75627E}"/>
+              </a:ext>
+            </a:extLst>
+          </p:cNvPr>
+          <p:cNvSpPr txBox="1"/>
+          <p:nvPr/>
+        </p:nvSpPr>
+        <p:spPr>
+          <a:xfrm>
+            <a:off x="8495607" y="2460567"/>
+            <a:ext cx="184731" cy="369332"/>
+          </a:xfrm>
+          <a:prstGeom prst="rect">
+            <a:avLst/>
+          </a:prstGeom>
+          <a:noFill/>
+        </p:spPr>
+        <p:txBody>
+          <a:bodyPr wrap="none" rtlCol="0">
+            <a:spAutoFit/>
+          </a:bodyPr>
+          <a:lstStyle/>
+          <a:p>
+            <a:endParaRPr lang="en-US" dirty="0"/>
+          </a:p>
+        </p:txBody>
+      </p:sp>
     </p:spTree>
     <p:extLst>
       <p:ext uri="{BB962C8B-B14F-4D97-AF65-F5344CB8AC3E}">
@@ -8877,10 +8945,10 @@
       </p:sp>
       <p:pic>
         <p:nvPicPr>
-          <p:cNvPr id="3" name="Picture 2">
+          <p:cNvPr id="4" name="Picture 3">
             <a:extLst>
               <a:ext uri="{FF2B5EF4-FFF2-40B4-BE49-F238E27FC236}">
-                <a16:creationId xmlns:a16="http://schemas.microsoft.com/office/drawing/2014/main" id="{72E2F4BB-09F6-5694-8AC0-44C5C4FA9AC0}"/>
+                <a16:creationId xmlns:a16="http://schemas.microsoft.com/office/drawing/2014/main" id="{0B86DBD4-AC0C-EDFB-3A29-697967336B36}"/>
               </a:ext>
             </a:extLst>
           </p:cNvPr>
@@ -8897,37 +8965,7 @@
         </p:blipFill>
         <p:spPr>
           <a:xfrm>
-            <a:off x="0" y="1267897"/>
-            <a:ext cx="5595552" cy="5595552"/>
-          </a:xfrm>
-          <a:prstGeom prst="rect">
-            <a:avLst/>
-          </a:prstGeom>
-        </p:spPr>
-      </p:pic>
-      <p:pic>
-        <p:nvPicPr>
-          <p:cNvPr id="4" name="Picture 3">
-            <a:extLst>
-              <a:ext uri="{FF2B5EF4-FFF2-40B4-BE49-F238E27FC236}">
-                <a16:creationId xmlns:a16="http://schemas.microsoft.com/office/drawing/2014/main" id="{0B86DBD4-AC0C-EDFB-3A29-697967336B36}"/>
-              </a:ext>
-            </a:extLst>
-          </p:cNvPr>
-          <p:cNvPicPr>
-            <a:picLocks noChangeAspect="1"/>
-          </p:cNvPicPr>
-          <p:nvPr/>
-        </p:nvPicPr>
-        <p:blipFill>
-          <a:blip r:embed="rId3"/>
-          <a:stretch>
-            <a:fillRect/>
-          </a:stretch>
-        </p:blipFill>
-        <p:spPr>
-          <a:xfrm>
-            <a:off x="5595552" y="1267897"/>
+            <a:off x="5550679" y="2548057"/>
             <a:ext cx="6428896" cy="2270253"/>
           </a:xfrm>
           <a:prstGeom prst="rect">
@@ -8949,7 +8987,7 @@
         </p:nvSpPr>
         <p:spPr>
           <a:xfrm>
-            <a:off x="5802822" y="4554468"/>
+            <a:off x="167552" y="3214984"/>
             <a:ext cx="6221626" cy="646331"/>
           </a:xfrm>
           <a:prstGeom prst="rect">
@@ -9013,99 +9051,6 @@
           <p:cNvPr id="2" name="Title 1">
             <a:extLst>
               <a:ext uri="{FF2B5EF4-FFF2-40B4-BE49-F238E27FC236}">
-                <a16:creationId xmlns:a16="http://schemas.microsoft.com/office/drawing/2014/main" id="{E269ED99-4282-4279-E819-B25D16261193}"/>
-              </a:ext>
-            </a:extLst>
-          </p:cNvPr>
-          <p:cNvSpPr>
-            <a:spLocks noGrp="1"/>
-          </p:cNvSpPr>
-          <p:nvPr>
-            <p:ph type="title"/>
-          </p:nvPr>
-        </p:nvSpPr>
-        <p:spPr/>
-        <p:txBody>
-          <a:bodyPr/>
-          <a:lstStyle/>
-          <a:p>
-            <a:r>
-              <a:rPr lang="en-US" dirty="0"/>
-              <a:t>Questions</a:t>
-            </a:r>
-          </a:p>
-        </p:txBody>
-      </p:sp>
-      <p:sp>
-        <p:nvSpPr>
-          <p:cNvPr id="3" name="Content Placeholder 2">
-            <a:extLst>
-              <a:ext uri="{FF2B5EF4-FFF2-40B4-BE49-F238E27FC236}">
-                <a16:creationId xmlns:a16="http://schemas.microsoft.com/office/drawing/2014/main" id="{C4D4BCD1-2364-DCC3-E222-528FA7CD4AAB}"/>
-              </a:ext>
-            </a:extLst>
-          </p:cNvPr>
-          <p:cNvSpPr>
-            <a:spLocks noGrp="1"/>
-          </p:cNvSpPr>
-          <p:nvPr>
-            <p:ph idx="1"/>
-          </p:nvPr>
-        </p:nvSpPr>
-        <p:spPr/>
-        <p:txBody>
-          <a:bodyPr/>
-          <a:lstStyle/>
-          <a:p>
-            <a:r>
-              <a:rPr lang="en-US" dirty="0"/>
-              <a:t>For computing the roughness length, I modified the equation to solve for z_0, and I’m getting varying results per height level, are there any specific results I should stick with for this experiment?</a:t>
-            </a:r>
-          </a:p>
-          <a:p>
-            <a:pPr lvl="1"/>
-            <a:r>
-              <a:rPr lang="en-US" dirty="0"/>
-              <a:t>Should I use the result closest to the ground or should I average them all out?</a:t>
-            </a:r>
-          </a:p>
-        </p:txBody>
-      </p:sp>
-    </p:spTree>
-    <p:extLst>
-      <p:ext uri="{BB962C8B-B14F-4D97-AF65-F5344CB8AC3E}">
-        <p14:creationId xmlns:p14="http://schemas.microsoft.com/office/powerpoint/2010/main" val="3996801625"/>
-      </p:ext>
-    </p:extLst>
-  </p:cSld>
-  <p:clrMapOvr>
-    <a:masterClrMapping/>
-  </p:clrMapOvr>
-</p:sld>
-</file>
-
-<file path=ppt/slides/slide9.xml><?xml version="1.0" encoding="utf-8"?>
-<p:sld xmlns:a="http://schemas.openxmlformats.org/drawingml/2006/main" xmlns:r="http://schemas.openxmlformats.org/officeDocument/2006/relationships" xmlns:p="http://schemas.openxmlformats.org/presentationml/2006/main">
-  <p:cSld>
-    <p:spTree>
-      <p:nvGrpSpPr>
-        <p:cNvPr id="1" name=""/>
-        <p:cNvGrpSpPr/>
-        <p:nvPr/>
-      </p:nvGrpSpPr>
-      <p:grpSpPr>
-        <a:xfrm>
-          <a:off x="0" y="0"/>
-          <a:ext cx="0" cy="0"/>
-          <a:chOff x="0" y="0"/>
-          <a:chExt cx="0" cy="0"/>
-        </a:xfrm>
-      </p:grpSpPr>
-      <p:sp>
-        <p:nvSpPr>
-          <p:cNvPr id="2" name="Title 1">
-            <a:extLst>
-              <a:ext uri="{FF2B5EF4-FFF2-40B4-BE49-F238E27FC236}">
                 <a16:creationId xmlns:a16="http://schemas.microsoft.com/office/drawing/2014/main" id="{22C56395-3102-6AC5-7B79-2CE65BDB373C}"/>
               </a:ext>
             </a:extLst>
@@ -9148,7 +9093,7 @@
         <p:spPr/>
         <p:txBody>
           <a:bodyPr>
-            <a:normAutofit/>
+            <a:normAutofit lnSpcReduction="10000"/>
           </a:bodyPr>
           <a:lstStyle/>
           <a:p>
@@ -9174,6 +9119,12 @@
           </a:p>
           <a:p>
             <a:r>
+              <a:rPr lang="en-US" sz="2300" dirty="0"/>
+              <a:t>Finish Z_0 calculation</a:t>
+            </a:r>
+          </a:p>
+          <a:p>
+            <a:r>
               <a:rPr lang="en-US" sz="1900" dirty="0"/>
               <a:t>Modify the </a:t>
             </a:r>
@@ -9196,6 +9147,12 @@
             <a:r>
               <a:rPr lang="en-US" sz="1900" dirty="0"/>
               <a:t> file</a:t>
+            </a:r>
+          </a:p>
+          <a:p>
+            <a:r>
+              <a:rPr lang="en-US" sz="2300" dirty="0"/>
+              <a:t>Interpolate pot. temperatures for the SODAR data for the sounding</a:t>
             </a:r>
           </a:p>
           <a:p>
